--- a/BIL Barberz.pptx
+++ b/BIL Barberz.pptx
@@ -9,9 +9,9 @@
     <p:sldId id="257" r:id="rId3"/>
     <p:sldId id="262" r:id="rId4"/>
     <p:sldId id="263" r:id="rId5"/>
-    <p:sldId id="258" r:id="rId6"/>
-    <p:sldId id="266" r:id="rId7"/>
-    <p:sldId id="259" r:id="rId8"/>
+    <p:sldId id="259" r:id="rId6"/>
+    <p:sldId id="258" r:id="rId7"/>
+    <p:sldId id="266" r:id="rId8"/>
     <p:sldId id="260" r:id="rId9"/>
     <p:sldId id="261" r:id="rId10"/>
     <p:sldId id="264" r:id="rId11"/>
@@ -114,6 +114,11 @@
       </a:defRPr>
     </a:lvl9pPr>
   </p:defaultTextStyle>
+  <p:extLst>
+    <p:ext uri="{EFAFB233-063F-42B5-8137-9DF3F51BA10A}">
+      <p15:sldGuideLst xmlns:p15="http://schemas.microsoft.com/office/powerpoint/2012/main"/>
+    </p:ext>
+  </p:extLst>
 </p:presentation>
 </file>
 
@@ -256,7 +261,7 @@
           <a:p>
             <a:fld id="{1E846EDB-5676-468F-9198-8EB2AAB980DB}" type="datetimeFigureOut">
               <a:rPr lang="hu-HU" smtClean="0"/>
-              <a:t>2023. 04. 24.</a:t>
+              <a:t>2023. 04. 27.</a:t>
             </a:fld>
             <a:endParaRPr lang="hu-HU"/>
           </a:p>
@@ -436,7 +441,7 @@
           <a:p>
             <a:fld id="{1E846EDB-5676-468F-9198-8EB2AAB980DB}" type="datetimeFigureOut">
               <a:rPr lang="hu-HU" smtClean="0"/>
-              <a:t>2023. 04. 24.</a:t>
+              <a:t>2023. 04. 27.</a:t>
             </a:fld>
             <a:endParaRPr lang="hu-HU"/>
           </a:p>
@@ -620,7 +625,7 @@
           <a:p>
             <a:fld id="{1E846EDB-5676-468F-9198-8EB2AAB980DB}" type="datetimeFigureOut">
               <a:rPr lang="hu-HU" smtClean="0"/>
-              <a:t>2023. 04. 24.</a:t>
+              <a:t>2023. 04. 27.</a:t>
             </a:fld>
             <a:endParaRPr lang="hu-HU"/>
           </a:p>
@@ -790,7 +795,7 @@
           <a:p>
             <a:fld id="{1E846EDB-5676-468F-9198-8EB2AAB980DB}" type="datetimeFigureOut">
               <a:rPr lang="hu-HU" smtClean="0"/>
-              <a:t>2023. 04. 24.</a:t>
+              <a:t>2023. 04. 27.</a:t>
             </a:fld>
             <a:endParaRPr lang="hu-HU"/>
           </a:p>
@@ -1038,7 +1043,7 @@
           <a:p>
             <a:fld id="{1E846EDB-5676-468F-9198-8EB2AAB980DB}" type="datetimeFigureOut">
               <a:rPr lang="hu-HU" smtClean="0"/>
-              <a:t>2023. 04. 24.</a:t>
+              <a:t>2023. 04. 27.</a:t>
             </a:fld>
             <a:endParaRPr lang="hu-HU"/>
           </a:p>
@@ -1275,7 +1280,7 @@
           <a:p>
             <a:fld id="{1E846EDB-5676-468F-9198-8EB2AAB980DB}" type="datetimeFigureOut">
               <a:rPr lang="hu-HU" smtClean="0"/>
-              <a:t>2023. 04. 24.</a:t>
+              <a:t>2023. 04. 27.</a:t>
             </a:fld>
             <a:endParaRPr lang="hu-HU"/>
           </a:p>
@@ -1660,7 +1665,7 @@
           <a:p>
             <a:fld id="{1E846EDB-5676-468F-9198-8EB2AAB980DB}" type="datetimeFigureOut">
               <a:rPr lang="hu-HU" smtClean="0"/>
-              <a:t>2023. 04. 24.</a:t>
+              <a:t>2023. 04. 27.</a:t>
             </a:fld>
             <a:endParaRPr lang="hu-HU"/>
           </a:p>
@@ -1778,7 +1783,7 @@
           <a:p>
             <a:fld id="{1E846EDB-5676-468F-9198-8EB2AAB980DB}" type="datetimeFigureOut">
               <a:rPr lang="hu-HU" smtClean="0"/>
-              <a:t>2023. 04. 24.</a:t>
+              <a:t>2023. 04. 27.</a:t>
             </a:fld>
             <a:endParaRPr lang="hu-HU"/>
           </a:p>
@@ -1873,7 +1878,7 @@
           <a:p>
             <a:fld id="{1E846EDB-5676-468F-9198-8EB2AAB980DB}" type="datetimeFigureOut">
               <a:rPr lang="hu-HU" smtClean="0"/>
-              <a:t>2023. 04. 24.</a:t>
+              <a:t>2023. 04. 27.</a:t>
             </a:fld>
             <a:endParaRPr lang="hu-HU"/>
           </a:p>
@@ -2124,7 +2129,7 @@
           <a:p>
             <a:fld id="{1E846EDB-5676-468F-9198-8EB2AAB980DB}" type="datetimeFigureOut">
               <a:rPr lang="hu-HU" smtClean="0"/>
-              <a:t>2023. 04. 24.</a:t>
+              <a:t>2023. 04. 27.</a:t>
             </a:fld>
             <a:endParaRPr lang="hu-HU"/>
           </a:p>
@@ -2515,7 +2520,7 @@
           <a:p>
             <a:fld id="{1E846EDB-5676-468F-9198-8EB2AAB980DB}" type="datetimeFigureOut">
               <a:rPr lang="hu-HU" smtClean="0"/>
-              <a:t>2023. 04. 24.</a:t>
+              <a:t>2023. 04. 27.</a:t>
             </a:fld>
             <a:endParaRPr lang="hu-HU"/>
           </a:p>
@@ -2732,7 +2737,7 @@
           <a:p>
             <a:fld id="{1E846EDB-5676-468F-9198-8EB2AAB980DB}" type="datetimeFigureOut">
               <a:rPr lang="hu-HU" smtClean="0"/>
-              <a:t>2023. 04. 24.</a:t>
+              <a:t>2023. 04. 27.</a:t>
             </a:fld>
             <a:endParaRPr lang="hu-HU"/>
           </a:p>
@@ -4900,7 +4905,7 @@
                   <a:srgbClr val="D2986C"/>
                 </a:solidFill>
               </a:rPr>
-              <a:t>Műszaki megvalósítás</a:t>
+              <a:t>Tervezés</a:t>
             </a:r>
           </a:p>
         </p:txBody>
@@ -4919,7 +4924,7 @@
         </p:nvSpPr>
         <p:spPr>
           <a:xfrm>
-            <a:off x="2506259" y="1673179"/>
+            <a:off x="3423865" y="1683250"/>
             <a:ext cx="3166764" cy="461665"/>
           </a:xfrm>
           <a:prstGeom prst="rect">
@@ -4936,7 +4941,10 @@
             <a:r>
               <a:rPr lang="hu-HU" sz="2400" dirty="0">
                 <a:solidFill>
-                  <a:srgbClr val="D2986C"/>
+                  <a:schemeClr val="bg2">
+                    <a:lumMod val="60000"/>
+                    <a:lumOff val="40000"/>
+                  </a:schemeClr>
                 </a:solidFill>
               </a:rPr>
               <a:t>Projektmenedzsment</a:t>
@@ -4973,7 +4981,7 @@
         </p:blipFill>
         <p:spPr>
           <a:xfrm>
-            <a:off x="2660938" y="3358361"/>
+            <a:off x="3672993" y="3331728"/>
             <a:ext cx="2231406" cy="1115704"/>
           </a:xfrm>
           <a:prstGeom prst="rect">
@@ -5002,7 +5010,7 @@
         </p:nvSpPr>
         <p:spPr>
           <a:xfrm>
-            <a:off x="6096000" y="1709883"/>
+            <a:off x="7108055" y="1683250"/>
             <a:ext cx="2286075" cy="461665"/>
           </a:xfrm>
           <a:prstGeom prst="rect">
@@ -5019,7 +5027,10 @@
             <a:r>
               <a:rPr lang="hu-HU" sz="2400" dirty="0">
                 <a:solidFill>
-                  <a:srgbClr val="D2986C"/>
+                  <a:schemeClr val="bg2">
+                    <a:lumMod val="60000"/>
+                    <a:lumOff val="40000"/>
+                  </a:schemeClr>
                 </a:solidFill>
               </a:rPr>
               <a:t>Csoportmunka</a:t>
@@ -5056,7 +5067,7 @@
         </p:blipFill>
         <p:spPr>
           <a:xfrm>
-            <a:off x="5780054" y="2300953"/>
+            <a:off x="6792109" y="2274320"/>
             <a:ext cx="2844633" cy="1600106"/>
           </a:xfrm>
           <a:prstGeom prst="rect">
@@ -5064,89 +5075,6 @@
           </a:prstGeom>
         </p:spPr>
       </p:pic>
-      <p:pic>
-        <p:nvPicPr>
-          <p:cNvPr id="13" name="Kép 12">
-            <a:extLst>
-              <a:ext uri="{FF2B5EF4-FFF2-40B4-BE49-F238E27FC236}">
-                <a16:creationId xmlns:a16="http://schemas.microsoft.com/office/drawing/2014/main" id="{8119BEA5-F218-4AC7-9255-611E77CD4318}"/>
-              </a:ext>
-            </a:extLst>
-          </p:cNvPr>
-          <p:cNvPicPr>
-            <a:picLocks noChangeAspect="1"/>
-          </p:cNvPicPr>
-          <p:nvPr/>
-        </p:nvPicPr>
-        <p:blipFill rotWithShape="1">
-          <a:blip r:embed="rId6"/>
-          <a:srcRect t="6601" r="71311" b="4466"/>
-          <a:stretch/>
-        </p:blipFill>
-        <p:spPr>
-          <a:xfrm>
-            <a:off x="9425454" y="2300953"/>
-            <a:ext cx="2061439" cy="3594438"/>
-          </a:xfrm>
-          <a:prstGeom prst="rect">
-            <a:avLst/>
-          </a:prstGeom>
-          <a:ln>
-            <a:noFill/>
-          </a:ln>
-          <a:effectLst>
-            <a:outerShdw blurRad="190500" algn="tl" rotWithShape="0">
-              <a:srgbClr val="000000">
-                <a:alpha val="70000"/>
-              </a:srgbClr>
-            </a:outerShdw>
-          </a:effectLst>
-        </p:spPr>
-      </p:pic>
-      <p:sp>
-        <p:nvSpPr>
-          <p:cNvPr id="14" name="Szövegdoboz 13">
-            <a:extLst>
-              <a:ext uri="{FF2B5EF4-FFF2-40B4-BE49-F238E27FC236}">
-                <a16:creationId xmlns:a16="http://schemas.microsoft.com/office/drawing/2014/main" id="{5EDAF59B-68DE-4D81-986D-4D292CC2387D}"/>
-              </a:ext>
-            </a:extLst>
-          </p:cNvPr>
-          <p:cNvSpPr txBox="1"/>
-          <p:nvPr/>
-        </p:nvSpPr>
-        <p:spPr>
-          <a:xfrm>
-            <a:off x="9332982" y="1702608"/>
-            <a:ext cx="2246384" cy="461665"/>
-          </a:xfrm>
-          <a:prstGeom prst="rect">
-            <a:avLst/>
-          </a:prstGeom>
-          <a:noFill/>
-        </p:spPr>
-        <p:txBody>
-          <a:bodyPr wrap="none" rtlCol="0">
-            <a:spAutoFit/>
-          </a:bodyPr>
-          <a:lstStyle/>
-          <a:p>
-            <a:r>
-              <a:rPr lang="hu-HU" sz="2400" dirty="0">
-                <a:solidFill>
-                  <a:srgbClr val="D2986C"/>
-                </a:solidFill>
-              </a:rPr>
-              <a:t>Reszponzivitás</a:t>
-            </a:r>
-            <a:endParaRPr lang="hu-HU" sz="2000" dirty="0">
-              <a:solidFill>
-                <a:srgbClr val="D2986C"/>
-              </a:solidFill>
-            </a:endParaRPr>
-          </a:p>
-        </p:txBody>
-      </p:sp>
       <p:sp>
         <p:nvSpPr>
           <p:cNvPr id="16" name="Téglalap 15">
@@ -5226,13 +5154,13 @@
           <p:nvPr/>
         </p:nvPicPr>
         <p:blipFill>
-          <a:blip r:embed="rId7">
+          <a:blip r:embed="rId6">
             <a:extLst>
               <a:ext uri="{28A0092B-C50C-407E-A947-70E740481C1C}">
                 <a14:useLocalDpi xmlns:a14="http://schemas.microsoft.com/office/drawing/2010/main" val="0"/>
               </a:ext>
               <a:ext uri="{96DAC541-7B7A-43D3-8B79-37D633B846F1}">
-                <asvg:svgBlip xmlns:asvg="http://schemas.microsoft.com/office/drawing/2016/SVG/main" r:embed="rId8"/>
+                <asvg:svgBlip xmlns:asvg="http://schemas.microsoft.com/office/drawing/2016/SVG/main" r:embed="rId7"/>
               </a:ext>
             </a:extLst>
           </a:blip>
@@ -5270,7 +5198,7 @@
           <p:nvPr/>
         </p:nvPicPr>
         <p:blipFill>
-          <a:blip r:embed="rId9">
+          <a:blip r:embed="rId8">
             <a:extLst>
               <a:ext uri="{28A0092B-C50C-407E-A947-70E740481C1C}">
                 <a14:useLocalDpi xmlns:a14="http://schemas.microsoft.com/office/drawing/2010/main" val="0"/>
@@ -5283,7 +5211,7 @@
         </p:blipFill>
         <p:spPr>
           <a:xfrm>
-            <a:off x="2911144" y="2236457"/>
+            <a:off x="3923199" y="2209824"/>
             <a:ext cx="2078487" cy="426252"/>
           </a:xfrm>
           <a:prstGeom prst="rect">
@@ -5386,7 +5314,7 @@
                   <a:srgbClr val="D2986C"/>
                 </a:solidFill>
               </a:rPr>
-              <a:t>Műszaki megvalósítás</a:t>
+              <a:t>Adatok Gyűjtése</a:t>
             </a:r>
           </a:p>
         </p:txBody>
@@ -5884,7 +5812,7 @@
           <p:cNvPr id="2" name="Cím 1">
             <a:extLst>
               <a:ext uri="{FF2B5EF4-FFF2-40B4-BE49-F238E27FC236}">
-                <a16:creationId xmlns:a16="http://schemas.microsoft.com/office/drawing/2014/main" id="{51CD3ABB-B8DC-4BAF-B681-BE17CBA8D9DF}"/>
+                <a16:creationId xmlns:a16="http://schemas.microsoft.com/office/drawing/2014/main" id="{75BE20DA-3CC9-4593-8204-1D1874E58470}"/>
               </a:ext>
             </a:extLst>
           </p:cNvPr>
@@ -5897,8 +5825,8 @@
         </p:nvSpPr>
         <p:spPr>
           <a:xfrm>
-            <a:off x="1450391" y="591455"/>
-            <a:ext cx="9291215" cy="1049235"/>
+            <a:off x="3942444" y="174456"/>
+            <a:ext cx="4981731" cy="1049235"/>
           </a:xfrm>
           <a:ln>
             <a:noFill/>
@@ -5934,7 +5862,7 @@
                   <a:srgbClr val="D2986C"/>
                 </a:solidFill>
               </a:rPr>
-              <a:t>Program Funkciói</a:t>
+              <a:t>Program</a:t>
             </a:r>
           </a:p>
         </p:txBody>
@@ -5944,7 +5872,7 @@
           <p:cNvPr id="3" name="Tartalom helye 2">
             <a:extLst>
               <a:ext uri="{FF2B5EF4-FFF2-40B4-BE49-F238E27FC236}">
-                <a16:creationId xmlns:a16="http://schemas.microsoft.com/office/drawing/2014/main" id="{C8A4F210-5CFE-4039-8801-E80B50D7227A}"/>
+                <a16:creationId xmlns:a16="http://schemas.microsoft.com/office/drawing/2014/main" id="{BD490D7D-9B3D-4926-9703-7E0BF73EAAF5}"/>
               </a:ext>
             </a:extLst>
           </p:cNvPr>
@@ -5957,25 +5885,21 @@
         </p:nvSpPr>
         <p:spPr>
           <a:xfrm>
-            <a:off x="4349358" y="1853754"/>
-            <a:ext cx="3493283" cy="4037749"/>
-          </a:xfrm>
-        </p:spPr>
-        <p:txBody>
-          <a:bodyPr>
-            <a:noAutofit/>
-          </a:bodyPr>
-          <a:lstStyle/>
-          <a:p>
-            <a:pPr algn="just">
+            <a:off x="2474134" y="1293061"/>
+            <a:ext cx="5455248" cy="3450613"/>
+          </a:xfrm>
+        </p:spPr>
+        <p:txBody>
+          <a:bodyPr/>
+          <a:lstStyle/>
+          <a:p>
+            <a:pPr>
               <a:buClr>
                 <a:srgbClr val="D2986C"/>
               </a:buClr>
-              <a:buFont typeface="Wingdings" panose="05000000000000000000" pitchFamily="2" charset="2"/>
-              <a:buChar char="q"/>
             </a:pPr>
             <a:r>
-              <a:rPr lang="hu-HU" sz="2800" dirty="0">
+              <a:rPr lang="hu-HU" dirty="0">
                 <a:solidFill>
                   <a:schemeClr val="bg2">
                     <a:lumMod val="60000"/>
@@ -5983,19 +5907,55 @@
                   </a:schemeClr>
                 </a:solidFill>
               </a:rPr>
-              <a:t> Regisztráció</a:t>
-            </a:r>
-          </a:p>
-          <a:p>
-            <a:pPr algn="just">
+              <a:t>Backend:</a:t>
+            </a:r>
+          </a:p>
+          <a:p>
+            <a:pPr marL="457200" lvl="1" indent="0">
               <a:buClr>
                 <a:srgbClr val="D2986C"/>
               </a:buClr>
-              <a:buFont typeface="Wingdings" panose="05000000000000000000" pitchFamily="2" charset="2"/>
-              <a:buChar char="q"/>
+              <a:buNone/>
             </a:pPr>
             <a:r>
-              <a:rPr lang="hu-HU" sz="2800" dirty="0">
+              <a:rPr lang="hu-HU" dirty="0"/>
+              <a:t>	</a:t>
+            </a:r>
+          </a:p>
+          <a:p>
+            <a:pPr marL="0" indent="0">
+              <a:buClr>
+                <a:srgbClr val="D2986C"/>
+              </a:buClr>
+              <a:buNone/>
+            </a:pPr>
+            <a:endParaRPr lang="hu-HU" dirty="0"/>
+          </a:p>
+          <a:p>
+            <a:pPr marL="0" indent="0">
+              <a:buClr>
+                <a:srgbClr val="D2986C"/>
+              </a:buClr>
+              <a:buNone/>
+            </a:pPr>
+            <a:endParaRPr lang="hu-HU" dirty="0"/>
+          </a:p>
+          <a:p>
+            <a:pPr>
+              <a:buClr>
+                <a:srgbClr val="D2986C"/>
+              </a:buClr>
+            </a:pPr>
+            <a:endParaRPr lang="hu-HU" dirty="0"/>
+          </a:p>
+          <a:p>
+            <a:pPr>
+              <a:buClr>
+                <a:srgbClr val="D2986C"/>
+              </a:buClr>
+            </a:pPr>
+            <a:r>
+              <a:rPr lang="hu-HU" dirty="0">
                 <a:solidFill>
                   <a:schemeClr val="bg2">
                     <a:lumMod val="60000"/>
@@ -6003,19 +5963,178 @@
                   </a:schemeClr>
                 </a:solidFill>
               </a:rPr>
-              <a:t> Belépés</a:t>
-            </a:r>
-          </a:p>
-          <a:p>
-            <a:pPr algn="just">
+              <a:t>Adatbázis:</a:t>
+            </a:r>
+          </a:p>
+        </p:txBody>
+      </p:sp>
+      <p:pic>
+        <p:nvPicPr>
+          <p:cNvPr id="4" name="Kép 3">
+            <a:extLst>
+              <a:ext uri="{FF2B5EF4-FFF2-40B4-BE49-F238E27FC236}">
+                <a16:creationId xmlns:a16="http://schemas.microsoft.com/office/drawing/2014/main" id="{968BEB62-5D45-442B-A816-1781A996486C}"/>
+              </a:ext>
+            </a:extLst>
+          </p:cNvPr>
+          <p:cNvPicPr>
+            <a:picLocks noChangeAspect="1"/>
+          </p:cNvPicPr>
+          <p:nvPr/>
+        </p:nvPicPr>
+        <p:blipFill rotWithShape="1">
+          <a:blip r:embed="rId2"/>
+          <a:srcRect l="64806" t="57994" r="18228" b="29061"/>
+          <a:stretch/>
+        </p:blipFill>
+        <p:spPr>
+          <a:xfrm>
+            <a:off x="2679898" y="1829426"/>
+            <a:ext cx="3551068" cy="1524064"/>
+          </a:xfrm>
+          <a:prstGeom prst="rect">
+            <a:avLst/>
+          </a:prstGeom>
+          <a:ln>
+            <a:noFill/>
+          </a:ln>
+          <a:effectLst>
+            <a:outerShdw blurRad="190500" algn="tl" rotWithShape="0">
+              <a:srgbClr val="000000">
+                <a:alpha val="70000"/>
+              </a:srgbClr>
+            </a:outerShdw>
+          </a:effectLst>
+        </p:spPr>
+      </p:pic>
+      <p:pic>
+        <p:nvPicPr>
+          <p:cNvPr id="6" name="Kép 5">
+            <a:extLst>
+              <a:ext uri="{FF2B5EF4-FFF2-40B4-BE49-F238E27FC236}">
+                <a16:creationId xmlns:a16="http://schemas.microsoft.com/office/drawing/2014/main" id="{3EEDF3BA-D842-479F-BE33-66F2FF4B5AC3}"/>
+              </a:ext>
+            </a:extLst>
+          </p:cNvPr>
+          <p:cNvPicPr>
+            <a:picLocks noChangeAspect="1"/>
+          </p:cNvPicPr>
+          <p:nvPr/>
+        </p:nvPicPr>
+        <p:blipFill>
+          <a:blip r:embed="rId3">
+            <a:extLst>
+              <a:ext uri="{28A0092B-C50C-407E-A947-70E740481C1C}">
+                <a14:useLocalDpi xmlns:a14="http://schemas.microsoft.com/office/drawing/2010/main" val="0"/>
+              </a:ext>
+            </a:extLst>
+          </a:blip>
+          <a:stretch>
+            <a:fillRect/>
+          </a:stretch>
+        </p:blipFill>
+        <p:spPr>
+          <a:xfrm>
+            <a:off x="7405337" y="1762836"/>
+            <a:ext cx="1048089" cy="864674"/>
+          </a:xfrm>
+          <a:prstGeom prst="rect">
+            <a:avLst/>
+          </a:prstGeom>
+          <a:ln>
+            <a:noFill/>
+          </a:ln>
+          <a:effectLst>
+            <a:outerShdw blurRad="190500" algn="tl" rotWithShape="0">
+              <a:srgbClr val="000000">
+                <a:alpha val="70000"/>
+              </a:srgbClr>
+            </a:outerShdw>
+          </a:effectLst>
+        </p:spPr>
+      </p:pic>
+      <p:pic>
+        <p:nvPicPr>
+          <p:cNvPr id="8" name="Kép 7">
+            <a:extLst>
+              <a:ext uri="{FF2B5EF4-FFF2-40B4-BE49-F238E27FC236}">
+                <a16:creationId xmlns:a16="http://schemas.microsoft.com/office/drawing/2014/main" id="{855CC71E-AF8A-4CDE-8CD3-64FCC148EF8F}"/>
+              </a:ext>
+            </a:extLst>
+          </p:cNvPr>
+          <p:cNvPicPr>
+            <a:picLocks noChangeAspect="1"/>
+          </p:cNvPicPr>
+          <p:nvPr/>
+        </p:nvPicPr>
+        <p:blipFill rotWithShape="1">
+          <a:blip r:embed="rId4">
+            <a:extLst>
+              <a:ext uri="{28A0092B-C50C-407E-A947-70E740481C1C}">
+                <a14:useLocalDpi xmlns:a14="http://schemas.microsoft.com/office/drawing/2010/main" val="0"/>
+              </a:ext>
+            </a:extLst>
+          </a:blip>
+          <a:srcRect l="22077" t="32886" r="22542" b="33749"/>
+          <a:stretch/>
+        </p:blipFill>
+        <p:spPr>
+          <a:xfrm>
+            <a:off x="8574183" y="1881383"/>
+            <a:ext cx="2913522" cy="625742"/>
+          </a:xfrm>
+          <a:prstGeom prst="rect">
+            <a:avLst/>
+          </a:prstGeom>
+          <a:ln>
+            <a:noFill/>
+          </a:ln>
+          <a:effectLst>
+            <a:outerShdw blurRad="190500" algn="tl" rotWithShape="0">
+              <a:srgbClr val="000000">
+                <a:alpha val="70000"/>
+              </a:srgbClr>
+            </a:outerShdw>
+          </a:effectLst>
+        </p:spPr>
+      </p:pic>
+      <p:sp>
+        <p:nvSpPr>
+          <p:cNvPr id="9" name="Szövegdoboz 8">
+            <a:extLst>
+              <a:ext uri="{FF2B5EF4-FFF2-40B4-BE49-F238E27FC236}">
+                <a16:creationId xmlns:a16="http://schemas.microsoft.com/office/drawing/2014/main" id="{5139791B-FC4C-4C45-9D5A-8D1CCBE49C93}"/>
+              </a:ext>
+            </a:extLst>
+          </p:cNvPr>
+          <p:cNvSpPr txBox="1"/>
+          <p:nvPr/>
+        </p:nvSpPr>
+        <p:spPr>
+          <a:xfrm>
+            <a:off x="7321604" y="1308603"/>
+            <a:ext cx="1715213" cy="400110"/>
+          </a:xfrm>
+          <a:prstGeom prst="rect">
+            <a:avLst/>
+          </a:prstGeom>
+          <a:noFill/>
+        </p:spPr>
+        <p:txBody>
+          <a:bodyPr wrap="none" rtlCol="0">
+            <a:spAutoFit/>
+          </a:bodyPr>
+          <a:lstStyle/>
+          <a:p>
+            <a:pPr marL="342900" indent="-342900">
               <a:buClr>
                 <a:srgbClr val="D2986C"/>
               </a:buClr>
-              <a:buFont typeface="Wingdings" panose="05000000000000000000" pitchFamily="2" charset="2"/>
-              <a:buChar char="q"/>
+              <a:buFont typeface="Arial" panose="020B0604020202020204" pitchFamily="34" charset="0"/>
+              <a:buChar char="•"/>
             </a:pPr>
             <a:r>
-              <a:rPr lang="hu-HU" sz="2800" dirty="0">
+              <a:rPr lang="hu-HU" sz="2000" dirty="0">
                 <a:solidFill>
                   <a:schemeClr val="bg2">
                     <a:lumMod val="60000"/>
@@ -6023,77 +6142,109 @@
                   </a:schemeClr>
                 </a:solidFill>
               </a:rPr>
-              <a:t> Időpontfoglalás</a:t>
-            </a:r>
-          </a:p>
-          <a:p>
-            <a:pPr algn="just">
-              <a:buClr>
-                <a:srgbClr val="D2986C"/>
-              </a:buClr>
-              <a:buFont typeface="Wingdings" panose="05000000000000000000" pitchFamily="2" charset="2"/>
-              <a:buChar char="q"/>
-            </a:pPr>
-            <a:r>
-              <a:rPr lang="hu-HU" sz="2800" dirty="0">
-                <a:solidFill>
-                  <a:schemeClr val="bg2">
-                    <a:lumMod val="60000"/>
-                    <a:lumOff val="40000"/>
-                  </a:schemeClr>
-                </a:solidFill>
-              </a:rPr>
-              <a:t> Rendelés</a:t>
-            </a:r>
-          </a:p>
-          <a:p>
-            <a:pPr algn="just">
-              <a:buClr>
-                <a:srgbClr val="D2986C"/>
-              </a:buClr>
-              <a:buFont typeface="Wingdings" panose="05000000000000000000" pitchFamily="2" charset="2"/>
-              <a:buChar char="q"/>
-            </a:pPr>
-            <a:r>
-              <a:rPr lang="hu-HU" sz="2800" dirty="0">
-                <a:solidFill>
-                  <a:schemeClr val="bg2">
-                    <a:lumMod val="60000"/>
-                    <a:lumOff val="40000"/>
-                  </a:schemeClr>
-                </a:solidFill>
-              </a:rPr>
-              <a:t> Termék keresés</a:t>
-            </a:r>
-          </a:p>
-          <a:p>
-            <a:pPr algn="just">
-              <a:buClr>
-                <a:srgbClr val="D2986C"/>
-              </a:buClr>
-              <a:buFont typeface="Wingdings" panose="05000000000000000000" pitchFamily="2" charset="2"/>
-              <a:buChar char="q"/>
-            </a:pPr>
-            <a:r>
-              <a:rPr lang="hu-HU" sz="2800" dirty="0">
-                <a:solidFill>
-                  <a:schemeClr val="bg2">
-                    <a:lumMod val="60000"/>
-                    <a:lumOff val="40000"/>
-                  </a:schemeClr>
-                </a:solidFill>
-              </a:rPr>
-              <a:t> Nyereményjáték</a:t>
-            </a:r>
-          </a:p>
-        </p:txBody>
-      </p:sp>
-      <p:sp>
-        <p:nvSpPr>
-          <p:cNvPr id="4" name="Téglalap 3">
+              <a:t>Frontend: </a:t>
+            </a:r>
+          </a:p>
+        </p:txBody>
+      </p:sp>
+      <p:pic>
+        <p:nvPicPr>
+          <p:cNvPr id="11" name="Kép 10">
             <a:extLst>
               <a:ext uri="{FF2B5EF4-FFF2-40B4-BE49-F238E27FC236}">
-                <a16:creationId xmlns:a16="http://schemas.microsoft.com/office/drawing/2014/main" id="{376304F4-7E3F-47F2-B60F-F62C01905CA4}"/>
+                <a16:creationId xmlns:a16="http://schemas.microsoft.com/office/drawing/2014/main" id="{4A978894-043C-4D49-B7EC-0E122FF95EF3}"/>
+              </a:ext>
+            </a:extLst>
+          </p:cNvPr>
+          <p:cNvPicPr>
+            <a:picLocks noChangeAspect="1"/>
+          </p:cNvPicPr>
+          <p:nvPr/>
+        </p:nvPicPr>
+        <p:blipFill>
+          <a:blip r:embed="rId5">
+            <a:extLst>
+              <a:ext uri="{28A0092B-C50C-407E-A947-70E740481C1C}">
+                <a14:useLocalDpi xmlns:a14="http://schemas.microsoft.com/office/drawing/2010/main" val="0"/>
+              </a:ext>
+            </a:extLst>
+          </a:blip>
+          <a:stretch>
+            <a:fillRect/>
+          </a:stretch>
+        </p:blipFill>
+        <p:spPr>
+          <a:xfrm>
+            <a:off x="2679898" y="4097613"/>
+            <a:ext cx="1391361" cy="775683"/>
+          </a:xfrm>
+          <a:prstGeom prst="rect">
+            <a:avLst/>
+          </a:prstGeom>
+          <a:ln>
+            <a:noFill/>
+          </a:ln>
+          <a:effectLst>
+            <a:outerShdw blurRad="190500" algn="tl" rotWithShape="0">
+              <a:srgbClr val="000000">
+                <a:alpha val="70000"/>
+              </a:srgbClr>
+            </a:outerShdw>
+          </a:effectLst>
+        </p:spPr>
+      </p:pic>
+      <p:pic>
+        <p:nvPicPr>
+          <p:cNvPr id="13" name="Kép 12">
+            <a:extLst>
+              <a:ext uri="{FF2B5EF4-FFF2-40B4-BE49-F238E27FC236}">
+                <a16:creationId xmlns:a16="http://schemas.microsoft.com/office/drawing/2014/main" id="{96410068-6C11-4DD4-9178-5229B50105B9}"/>
+              </a:ext>
+            </a:extLst>
+          </p:cNvPr>
+          <p:cNvPicPr>
+            <a:picLocks noChangeAspect="1"/>
+          </p:cNvPicPr>
+          <p:nvPr/>
+        </p:nvPicPr>
+        <p:blipFill>
+          <a:blip r:embed="rId6">
+            <a:extLst>
+              <a:ext uri="{28A0092B-C50C-407E-A947-70E740481C1C}">
+                <a14:useLocalDpi xmlns:a14="http://schemas.microsoft.com/office/drawing/2010/main" val="0"/>
+              </a:ext>
+            </a:extLst>
+          </a:blip>
+          <a:stretch>
+            <a:fillRect/>
+          </a:stretch>
+        </p:blipFill>
+        <p:spPr>
+          <a:xfrm>
+            <a:off x="3119770" y="5150156"/>
+            <a:ext cx="665848" cy="675281"/>
+          </a:xfrm>
+          <a:prstGeom prst="rect">
+            <a:avLst/>
+          </a:prstGeom>
+          <a:ln>
+            <a:noFill/>
+          </a:ln>
+          <a:effectLst>
+            <a:outerShdw blurRad="190500" algn="tl" rotWithShape="0">
+              <a:srgbClr val="000000">
+                <a:alpha val="70000"/>
+              </a:srgbClr>
+            </a:outerShdw>
+          </a:effectLst>
+        </p:spPr>
+      </p:pic>
+      <p:sp>
+        <p:nvSpPr>
+          <p:cNvPr id="17" name="Téglalap 16">
+            <a:extLst>
+              <a:ext uri="{FF2B5EF4-FFF2-40B4-BE49-F238E27FC236}">
+                <a16:creationId xmlns:a16="http://schemas.microsoft.com/office/drawing/2014/main" id="{59354905-36D4-4713-8EE4-9011EDF32EE0}"/>
               </a:ext>
             </a:extLst>
           </p:cNvPr>
@@ -6154,10 +6305,10 @@
       </p:sp>
       <p:pic>
         <p:nvPicPr>
-          <p:cNvPr id="5" name="Ábra 4">
+          <p:cNvPr id="16" name="Ábra 15">
             <a:extLst>
               <a:ext uri="{FF2B5EF4-FFF2-40B4-BE49-F238E27FC236}">
-                <a16:creationId xmlns:a16="http://schemas.microsoft.com/office/drawing/2014/main" id="{A2CC044A-420F-4C9B-BAF1-BDE94FB81873}"/>
+                <a16:creationId xmlns:a16="http://schemas.microsoft.com/office/drawing/2014/main" id="{1B5BC608-411D-4C1B-B55A-6C13E09567B0}"/>
               </a:ext>
             </a:extLst>
           </p:cNvPr>
@@ -6167,13 +6318,13 @@
           <p:nvPr/>
         </p:nvPicPr>
         <p:blipFill>
-          <a:blip r:embed="rId2">
+          <a:blip r:embed="rId7">
             <a:extLst>
               <a:ext uri="{28A0092B-C50C-407E-A947-70E740481C1C}">
                 <a14:useLocalDpi xmlns:a14="http://schemas.microsoft.com/office/drawing/2010/main" val="0"/>
               </a:ext>
               <a:ext uri="{96DAC541-7B7A-43D3-8B79-37D633B846F1}">
-                <asvg:svgBlip xmlns:asvg="http://schemas.microsoft.com/office/drawing/2016/SVG/main" r:embed="rId3"/>
+                <asvg:svgBlip xmlns:asvg="http://schemas.microsoft.com/office/drawing/2016/SVG/main" r:embed="rId8"/>
               </a:ext>
             </a:extLst>
           </a:blip>
@@ -6196,10 +6347,49 @@
           </a:effectLst>
         </p:spPr>
       </p:pic>
+      <p:pic>
+        <p:nvPicPr>
+          <p:cNvPr id="12" name="Kép 11">
+            <a:extLst>
+              <a:ext uri="{FF2B5EF4-FFF2-40B4-BE49-F238E27FC236}">
+                <a16:creationId xmlns:a16="http://schemas.microsoft.com/office/drawing/2014/main" id="{8C44C92D-0482-40B5-B0DD-9606EA17BF96}"/>
+              </a:ext>
+            </a:extLst>
+          </p:cNvPr>
+          <p:cNvPicPr>
+            <a:picLocks noChangeAspect="1"/>
+          </p:cNvPicPr>
+          <p:nvPr/>
+        </p:nvPicPr>
+        <p:blipFill rotWithShape="1">
+          <a:blip r:embed="rId9"/>
+          <a:srcRect t="6601" r="71311" b="4466"/>
+          <a:stretch/>
+        </p:blipFill>
+        <p:spPr>
+          <a:xfrm>
+            <a:off x="8179210" y="2800180"/>
+            <a:ext cx="2132966" cy="3719157"/>
+          </a:xfrm>
+          <a:prstGeom prst="rect">
+            <a:avLst/>
+          </a:prstGeom>
+          <a:ln>
+            <a:noFill/>
+          </a:ln>
+          <a:effectLst>
+            <a:outerShdw blurRad="190500" algn="tl" rotWithShape="0">
+              <a:srgbClr val="000000">
+                <a:alpha val="70000"/>
+              </a:srgbClr>
+            </a:outerShdw>
+          </a:effectLst>
+        </p:spPr>
+      </p:pic>
     </p:spTree>
     <p:extLst>
       <p:ext uri="{BB962C8B-B14F-4D97-AF65-F5344CB8AC3E}">
-        <p14:creationId xmlns:p14="http://schemas.microsoft.com/office/powerpoint/2010/main" val="3392450081"/>
+        <p14:creationId xmlns:p14="http://schemas.microsoft.com/office/powerpoint/2010/main" val="2770252091"/>
       </p:ext>
     </p:extLst>
   </p:cSld>
@@ -6231,7 +6421,7 @@
           <p:cNvPr id="2" name="Cím 1">
             <a:extLst>
               <a:ext uri="{FF2B5EF4-FFF2-40B4-BE49-F238E27FC236}">
-                <a16:creationId xmlns:a16="http://schemas.microsoft.com/office/drawing/2014/main" id="{805A2EA7-3886-461E-9959-C8745A8E8D0A}"/>
+                <a16:creationId xmlns:a16="http://schemas.microsoft.com/office/drawing/2014/main" id="{51CD3ABB-B8DC-4BAF-B681-BE17CBA8D9DF}"/>
               </a:ext>
             </a:extLst>
           </p:cNvPr>
@@ -6244,7 +6434,7 @@
         </p:nvSpPr>
         <p:spPr>
           <a:xfrm>
-            <a:off x="2305641" y="818922"/>
+            <a:off x="1450391" y="591455"/>
             <a:ext cx="9291215" cy="1049235"/>
           </a:xfrm>
           <a:ln>
@@ -6281,158 +6471,166 @@
                   <a:srgbClr val="D2986C"/>
                 </a:solidFill>
               </a:rPr>
-              <a:t>Program Működése</a:t>
-            </a:r>
-          </a:p>
-        </p:txBody>
-      </p:sp>
-      <p:sp>
-        <p:nvSpPr>
-          <p:cNvPr id="4" name="Rectangle 1">
+              <a:t>Program Funkciói</a:t>
+            </a:r>
+          </a:p>
+        </p:txBody>
+      </p:sp>
+      <p:sp>
+        <p:nvSpPr>
+          <p:cNvPr id="3" name="Tartalom helye 2">
             <a:extLst>
               <a:ext uri="{FF2B5EF4-FFF2-40B4-BE49-F238E27FC236}">
-                <a16:creationId xmlns:a16="http://schemas.microsoft.com/office/drawing/2014/main" id="{C5AE5590-4425-41C4-BAE0-4F2BB721DE8B}"/>
+                <a16:creationId xmlns:a16="http://schemas.microsoft.com/office/drawing/2014/main" id="{C8A4F210-5CFE-4039-8801-E80B50D7227A}"/>
               </a:ext>
             </a:extLst>
           </p:cNvPr>
           <p:cNvSpPr>
-            <a:spLocks noGrp="1" noChangeArrowheads="1"/>
+            <a:spLocks noGrp="1"/>
           </p:cNvSpPr>
           <p:nvPr>
             <p:ph idx="1"/>
           </p:nvPr>
         </p:nvSpPr>
-        <p:spPr bwMode="auto">
-          <a:xfrm>
-            <a:off x="2092968" y="2116084"/>
-            <a:ext cx="9426485" cy="3447098"/>
-          </a:xfrm>
-          <a:prstGeom prst="rect">
-            <a:avLst/>
-          </a:prstGeom>
-          <a:noFill/>
-          <a:ln>
-            <a:noFill/>
-          </a:ln>
-          <a:effectLst/>
-          <a:extLst>
-            <a:ext uri="{909E8E84-426E-40DD-AFC4-6F175D3DCCD1}">
-              <a14:hiddenFill xmlns:a14="http://schemas.microsoft.com/office/drawing/2010/main">
-                <a:solidFill>
-                  <a:schemeClr val="accent1"/>
-                </a:solidFill>
-              </a14:hiddenFill>
-            </a:ext>
-            <a:ext uri="{91240B29-F687-4F45-9708-019B960494DF}">
-              <a14:hiddenLine xmlns:a14="http://schemas.microsoft.com/office/drawing/2010/main" w="9525">
-                <a:solidFill>
-                  <a:schemeClr val="tx1"/>
-                </a:solidFill>
-                <a:miter lim="800000"/>
-                <a:headEnd/>
-                <a:tailEnd/>
-              </a14:hiddenLine>
-            </a:ext>
-            <a:ext uri="{AF507438-7753-43E0-B8FC-AC1667EBCBE1}">
-              <a14:hiddenEffects xmlns:a14="http://schemas.microsoft.com/office/drawing/2010/main">
-                <a:effectLst>
-                  <a:outerShdw dist="35921" dir="2700000" algn="ctr" rotWithShape="0">
-                    <a:schemeClr val="bg2"/>
-                  </a:outerShdw>
-                </a:effectLst>
-              </a14:hiddenEffects>
-            </a:ext>
-          </a:extLst>
-        </p:spPr>
-        <p:txBody>
-          <a:bodyPr vert="horz" wrap="square" lIns="91440" tIns="45720" rIns="91440" bIns="45720" numCol="1" anchor="ctr" anchorCtr="0" compatLnSpc="1">
-            <a:prstTxWarp prst="textNoShape">
-              <a:avLst/>
-            </a:prstTxWarp>
-            <a:spAutoFit/>
+        <p:spPr>
+          <a:xfrm>
+            <a:off x="4349358" y="1853754"/>
+            <a:ext cx="3493283" cy="4037749"/>
+          </a:xfrm>
+        </p:spPr>
+        <p:txBody>
+          <a:bodyPr>
+            <a:noAutofit/>
           </a:bodyPr>
           <a:lstStyle/>
           <a:p>
-            <a:pPr marL="0" marR="0" lvl="0" indent="0" algn="ctr" defTabSz="914400" rtl="0" eaLnBrk="0" fontAlgn="base" latinLnBrk="0" hangingPunct="0">
-              <a:lnSpc>
-                <a:spcPct val="100000"/>
-              </a:lnSpc>
-              <a:spcBef>
-                <a:spcPct val="0"/>
-              </a:spcBef>
-              <a:spcAft>
-                <a:spcPct val="0"/>
-              </a:spcAft>
-              <a:buClrTx/>
-              <a:buSzTx/>
-              <a:buFontTx/>
-              <a:buNone/>
-              <a:tabLst/>
+            <a:pPr algn="just">
+              <a:buClr>
+                <a:srgbClr val="D2986C"/>
+              </a:buClr>
+              <a:buFont typeface="Wingdings" panose="05000000000000000000" pitchFamily="2" charset="2"/>
+              <a:buChar char="q"/>
             </a:pPr>
             <a:r>
-              <a:rPr kumimoji="0" lang="hu-HU" altLang="hu-HU" sz="3200" b="0" i="0" u="none" strike="noStrike" cap="none" normalizeH="0" baseline="0" dirty="0">
-                <a:ln>
-                  <a:noFill/>
-                </a:ln>
+              <a:rPr lang="hu-HU" sz="2800" dirty="0">
                 <a:solidFill>
                   <a:schemeClr val="bg2">
                     <a:lumMod val="60000"/>
                     <a:lumOff val="40000"/>
                   </a:schemeClr>
                 </a:solidFill>
-                <a:effectLst/>
-                <a:latin typeface="Söhne"/>
               </a:rPr>
-              <a:t>Összességében a Barbershop oldal egy olyan integrált platform, amely a fodrászati szolgáltatások mellett lehetővé teszi a felhasználók számára a vásárlást, a nyereményjátékban való részvételt és az időpontfoglalást is, mindez pedig az oldalra történő bejelentkezés révén érhető el.</a:t>
-            </a:r>
-          </a:p>
-          <a:p>
-            <a:pPr marL="0" marR="0" lvl="0" indent="0" algn="l" defTabSz="914400" rtl="0" eaLnBrk="0" fontAlgn="base" latinLnBrk="0" hangingPunct="0">
-              <a:lnSpc>
-                <a:spcPct val="100000"/>
-              </a:lnSpc>
-              <a:spcBef>
-                <a:spcPct val="0"/>
-              </a:spcBef>
-              <a:spcAft>
-                <a:spcPct val="0"/>
-              </a:spcAft>
-              <a:buClrTx/>
-              <a:buSzTx/>
-              <a:buFontTx/>
-              <a:buNone/>
-              <a:tabLst/>
+              <a:t> Regisztráció</a:t>
+            </a:r>
+          </a:p>
+          <a:p>
+            <a:pPr algn="just">
+              <a:buClr>
+                <a:srgbClr val="D2986C"/>
+              </a:buClr>
+              <a:buFont typeface="Wingdings" panose="05000000000000000000" pitchFamily="2" charset="2"/>
+              <a:buChar char="q"/>
             </a:pPr>
-            <a:br>
-              <a:rPr kumimoji="0" lang="hu-HU" altLang="hu-HU" sz="800" b="0" i="0" u="none" strike="noStrike" cap="none" normalizeH="0" baseline="0" dirty="0">
-                <a:ln>
-                  <a:noFill/>
-                </a:ln>
-                <a:solidFill>
-                  <a:schemeClr val="tx1"/>
-                </a:solidFill>
-                <a:effectLst/>
+            <a:r>
+              <a:rPr lang="hu-HU" sz="2800" dirty="0">
+                <a:solidFill>
+                  <a:schemeClr val="bg2">
+                    <a:lumMod val="60000"/>
+                    <a:lumOff val="40000"/>
+                  </a:schemeClr>
+                </a:solidFill>
               </a:rPr>
-            </a:br>
-            <a:endParaRPr kumimoji="0" lang="hu-HU" altLang="hu-HU" sz="1800" b="0" i="0" u="none" strike="noStrike" cap="none" normalizeH="0" baseline="0" dirty="0">
-              <a:ln>
-                <a:noFill/>
-              </a:ln>
-              <a:solidFill>
-                <a:schemeClr val="tx1"/>
-              </a:solidFill>
-              <a:effectLst/>
-              <a:latin typeface="Arial" panose="020B0604020202020204" pitchFamily="34" charset="0"/>
-            </a:endParaRPr>
-          </a:p>
-        </p:txBody>
-      </p:sp>
-      <p:sp>
-        <p:nvSpPr>
-          <p:cNvPr id="5" name="Téglalap 4">
+              <a:t> Belépés</a:t>
+            </a:r>
+          </a:p>
+          <a:p>
+            <a:pPr algn="just">
+              <a:buClr>
+                <a:srgbClr val="D2986C"/>
+              </a:buClr>
+              <a:buFont typeface="Wingdings" panose="05000000000000000000" pitchFamily="2" charset="2"/>
+              <a:buChar char="q"/>
+            </a:pPr>
+            <a:r>
+              <a:rPr lang="hu-HU" sz="2800" dirty="0">
+                <a:solidFill>
+                  <a:schemeClr val="bg2">
+                    <a:lumMod val="60000"/>
+                    <a:lumOff val="40000"/>
+                  </a:schemeClr>
+                </a:solidFill>
+              </a:rPr>
+              <a:t> Időpontfoglalás</a:t>
+            </a:r>
+          </a:p>
+          <a:p>
+            <a:pPr algn="just">
+              <a:buClr>
+                <a:srgbClr val="D2986C"/>
+              </a:buClr>
+              <a:buFont typeface="Wingdings" panose="05000000000000000000" pitchFamily="2" charset="2"/>
+              <a:buChar char="q"/>
+            </a:pPr>
+            <a:r>
+              <a:rPr lang="hu-HU" sz="2800" dirty="0">
+                <a:solidFill>
+                  <a:schemeClr val="bg2">
+                    <a:lumMod val="60000"/>
+                    <a:lumOff val="40000"/>
+                  </a:schemeClr>
+                </a:solidFill>
+              </a:rPr>
+              <a:t> Rendelés</a:t>
+            </a:r>
+          </a:p>
+          <a:p>
+            <a:pPr algn="just">
+              <a:buClr>
+                <a:srgbClr val="D2986C"/>
+              </a:buClr>
+              <a:buFont typeface="Wingdings" panose="05000000000000000000" pitchFamily="2" charset="2"/>
+              <a:buChar char="q"/>
+            </a:pPr>
+            <a:r>
+              <a:rPr lang="hu-HU" sz="2800" dirty="0">
+                <a:solidFill>
+                  <a:schemeClr val="bg2">
+                    <a:lumMod val="60000"/>
+                    <a:lumOff val="40000"/>
+                  </a:schemeClr>
+                </a:solidFill>
+              </a:rPr>
+              <a:t> Termék keresése</a:t>
+            </a:r>
+          </a:p>
+          <a:p>
+            <a:pPr algn="just">
+              <a:buClr>
+                <a:srgbClr val="D2986C"/>
+              </a:buClr>
+              <a:buFont typeface="Wingdings" panose="05000000000000000000" pitchFamily="2" charset="2"/>
+              <a:buChar char="q"/>
+            </a:pPr>
+            <a:r>
+              <a:rPr lang="hu-HU" sz="2800" dirty="0">
+                <a:solidFill>
+                  <a:schemeClr val="bg2">
+                    <a:lumMod val="60000"/>
+                    <a:lumOff val="40000"/>
+                  </a:schemeClr>
+                </a:solidFill>
+              </a:rPr>
+              <a:t> Nyereményjáték</a:t>
+            </a:r>
+          </a:p>
+        </p:txBody>
+      </p:sp>
+      <p:sp>
+        <p:nvSpPr>
+          <p:cNvPr id="4" name="Téglalap 3">
             <a:extLst>
               <a:ext uri="{FF2B5EF4-FFF2-40B4-BE49-F238E27FC236}">
-                <a16:creationId xmlns:a16="http://schemas.microsoft.com/office/drawing/2014/main" id="{8FFD6960-497F-4691-8BC7-DB1135DC97A7}"/>
+                <a16:creationId xmlns:a16="http://schemas.microsoft.com/office/drawing/2014/main" id="{376304F4-7E3F-47F2-B60F-F62C01905CA4}"/>
               </a:ext>
             </a:extLst>
           </p:cNvPr>
@@ -6493,10 +6691,10 @@
       </p:sp>
       <p:pic>
         <p:nvPicPr>
-          <p:cNvPr id="6" name="Ábra 5">
+          <p:cNvPr id="5" name="Ábra 4">
             <a:extLst>
               <a:ext uri="{FF2B5EF4-FFF2-40B4-BE49-F238E27FC236}">
-                <a16:creationId xmlns:a16="http://schemas.microsoft.com/office/drawing/2014/main" id="{533CECAD-B14A-4714-B4BE-2BAE39CF147E}"/>
+                <a16:creationId xmlns:a16="http://schemas.microsoft.com/office/drawing/2014/main" id="{A2CC044A-420F-4C9B-BAF1-BDE94FB81873}"/>
               </a:ext>
             </a:extLst>
           </p:cNvPr>
@@ -6538,7 +6736,7 @@
     </p:spTree>
     <p:extLst>
       <p:ext uri="{BB962C8B-B14F-4D97-AF65-F5344CB8AC3E}">
-        <p14:creationId xmlns:p14="http://schemas.microsoft.com/office/powerpoint/2010/main" val="3876594691"/>
+        <p14:creationId xmlns:p14="http://schemas.microsoft.com/office/powerpoint/2010/main" val="3392450081"/>
       </p:ext>
     </p:extLst>
   </p:cSld>
@@ -6570,7 +6768,7 @@
           <p:cNvPr id="2" name="Cím 1">
             <a:extLst>
               <a:ext uri="{FF2B5EF4-FFF2-40B4-BE49-F238E27FC236}">
-                <a16:creationId xmlns:a16="http://schemas.microsoft.com/office/drawing/2014/main" id="{75BE20DA-3CC9-4593-8204-1D1874E58470}"/>
+                <a16:creationId xmlns:a16="http://schemas.microsoft.com/office/drawing/2014/main" id="{805A2EA7-3886-461E-9959-C8745A8E8D0A}"/>
               </a:ext>
             </a:extLst>
           </p:cNvPr>
@@ -6583,8 +6781,8 @@
         </p:nvSpPr>
         <p:spPr>
           <a:xfrm>
-            <a:off x="3942444" y="606126"/>
-            <a:ext cx="4981731" cy="1049235"/>
+            <a:off x="2305641" y="818922"/>
+            <a:ext cx="9291215" cy="1049235"/>
           </a:xfrm>
           <a:ln>
             <a:noFill/>
@@ -6620,390 +6818,158 @@
                   <a:srgbClr val="D2986C"/>
                 </a:solidFill>
               </a:rPr>
-              <a:t>Program</a:t>
-            </a:r>
-          </a:p>
-        </p:txBody>
-      </p:sp>
-      <p:sp>
-        <p:nvSpPr>
-          <p:cNvPr id="3" name="Tartalom helye 2">
+              <a:t>Program Működése</a:t>
+            </a:r>
+          </a:p>
+        </p:txBody>
+      </p:sp>
+      <p:sp>
+        <p:nvSpPr>
+          <p:cNvPr id="4" name="Rectangle 1">
             <a:extLst>
               <a:ext uri="{FF2B5EF4-FFF2-40B4-BE49-F238E27FC236}">
-                <a16:creationId xmlns:a16="http://schemas.microsoft.com/office/drawing/2014/main" id="{BD490D7D-9B3D-4926-9703-7E0BF73EAAF5}"/>
+                <a16:creationId xmlns:a16="http://schemas.microsoft.com/office/drawing/2014/main" id="{C5AE5590-4425-41C4-BAE0-4F2BB721DE8B}"/>
               </a:ext>
             </a:extLst>
           </p:cNvPr>
           <p:cNvSpPr>
-            <a:spLocks noGrp="1"/>
+            <a:spLocks noGrp="1" noChangeArrowheads="1"/>
           </p:cNvSpPr>
           <p:nvPr>
             <p:ph idx="1"/>
           </p:nvPr>
         </p:nvSpPr>
-        <p:spPr>
-          <a:xfrm>
-            <a:off x="2549096" y="1999925"/>
-            <a:ext cx="5455248" cy="3450613"/>
-          </a:xfrm>
-        </p:spPr>
-        <p:txBody>
-          <a:bodyPr/>
-          <a:lstStyle/>
-          <a:p>
-            <a:pPr>
-              <a:buClr>
-                <a:srgbClr val="D2986C"/>
-              </a:buClr>
+        <p:spPr bwMode="auto">
+          <a:xfrm>
+            <a:off x="2092968" y="2116084"/>
+            <a:ext cx="9426485" cy="3447098"/>
+          </a:xfrm>
+          <a:prstGeom prst="rect">
+            <a:avLst/>
+          </a:prstGeom>
+          <a:noFill/>
+          <a:ln>
+            <a:noFill/>
+          </a:ln>
+          <a:effectLst/>
+          <a:extLst>
+            <a:ext uri="{909E8E84-426E-40DD-AFC4-6F175D3DCCD1}">
+              <a14:hiddenFill xmlns:a14="http://schemas.microsoft.com/office/drawing/2010/main">
+                <a:solidFill>
+                  <a:schemeClr val="accent1"/>
+                </a:solidFill>
+              </a14:hiddenFill>
+            </a:ext>
+            <a:ext uri="{91240B29-F687-4F45-9708-019B960494DF}">
+              <a14:hiddenLine xmlns:a14="http://schemas.microsoft.com/office/drawing/2010/main" w="9525">
+                <a:solidFill>
+                  <a:schemeClr val="tx1"/>
+                </a:solidFill>
+                <a:miter lim="800000"/>
+                <a:headEnd/>
+                <a:tailEnd/>
+              </a14:hiddenLine>
+            </a:ext>
+            <a:ext uri="{AF507438-7753-43E0-B8FC-AC1667EBCBE1}">
+              <a14:hiddenEffects xmlns:a14="http://schemas.microsoft.com/office/drawing/2010/main">
+                <a:effectLst>
+                  <a:outerShdw dist="35921" dir="2700000" algn="ctr" rotWithShape="0">
+                    <a:schemeClr val="bg2"/>
+                  </a:outerShdw>
+                </a:effectLst>
+              </a14:hiddenEffects>
+            </a:ext>
+          </a:extLst>
+        </p:spPr>
+        <p:txBody>
+          <a:bodyPr vert="horz" wrap="square" lIns="91440" tIns="45720" rIns="91440" bIns="45720" numCol="1" anchor="ctr" anchorCtr="0" compatLnSpc="1">
+            <a:prstTxWarp prst="textNoShape">
+              <a:avLst/>
+            </a:prstTxWarp>
+            <a:spAutoFit/>
+          </a:bodyPr>
+          <a:lstStyle/>
+          <a:p>
+            <a:pPr marL="0" marR="0" lvl="0" indent="0" algn="ctr" defTabSz="914400" rtl="0" eaLnBrk="0" fontAlgn="base" latinLnBrk="0" hangingPunct="0">
+              <a:lnSpc>
+                <a:spcPct val="100000"/>
+              </a:lnSpc>
+              <a:spcBef>
+                <a:spcPct val="0"/>
+              </a:spcBef>
+              <a:spcAft>
+                <a:spcPct val="0"/>
+              </a:spcAft>
+              <a:buClrTx/>
+              <a:buSzTx/>
+              <a:buFontTx/>
+              <a:buNone/>
+              <a:tabLst/>
             </a:pPr>
             <a:r>
-              <a:rPr lang="hu-HU" dirty="0">
+              <a:rPr kumimoji="0" lang="hu-HU" altLang="hu-HU" sz="3200" b="0" i="0" u="none" strike="noStrike" cap="none" normalizeH="0" baseline="0" dirty="0">
+                <a:ln>
+                  <a:noFill/>
+                </a:ln>
                 <a:solidFill>
                   <a:schemeClr val="bg2">
                     <a:lumMod val="60000"/>
                     <a:lumOff val="40000"/>
                   </a:schemeClr>
                 </a:solidFill>
+                <a:effectLst/>
+                <a:latin typeface="Söhne"/>
               </a:rPr>
-              <a:t>Backend:</a:t>
-            </a:r>
-          </a:p>
-          <a:p>
-            <a:pPr marL="457200" lvl="1" indent="0">
-              <a:buClr>
-                <a:srgbClr val="D2986C"/>
-              </a:buClr>
+              <a:t>Összességében a Barbershop oldal egy olyan integrált platform, amely a fodrászati szolgáltatások mellett lehetővé teszi a felhasználók számára a vásárlást, a nyereményjátékban való részvételt és az időpontfoglalást is, mindez az oldalra történő bejelentkezés révén érhető el.</a:t>
+            </a:r>
+          </a:p>
+          <a:p>
+            <a:pPr marL="0" marR="0" lvl="0" indent="0" algn="l" defTabSz="914400" rtl="0" eaLnBrk="0" fontAlgn="base" latinLnBrk="0" hangingPunct="0">
+              <a:lnSpc>
+                <a:spcPct val="100000"/>
+              </a:lnSpc>
+              <a:spcBef>
+                <a:spcPct val="0"/>
+              </a:spcBef>
+              <a:spcAft>
+                <a:spcPct val="0"/>
+              </a:spcAft>
+              <a:buClrTx/>
+              <a:buSzTx/>
+              <a:buFontTx/>
               <a:buNone/>
+              <a:tabLst/>
             </a:pPr>
-            <a:r>
-              <a:rPr lang="hu-HU" dirty="0"/>
-              <a:t>	</a:t>
-            </a:r>
-          </a:p>
-          <a:p>
-            <a:pPr marL="0" indent="0">
-              <a:buClr>
-                <a:srgbClr val="D2986C"/>
-              </a:buClr>
-              <a:buNone/>
-            </a:pPr>
-            <a:endParaRPr lang="hu-HU" dirty="0"/>
-          </a:p>
-          <a:p>
-            <a:pPr marL="0" indent="0">
-              <a:buClr>
-                <a:srgbClr val="D2986C"/>
-              </a:buClr>
-              <a:buNone/>
-            </a:pPr>
-            <a:endParaRPr lang="hu-HU" dirty="0"/>
-          </a:p>
-          <a:p>
-            <a:pPr marL="0" indent="0">
-              <a:buClr>
-                <a:srgbClr val="D2986C"/>
-              </a:buClr>
-              <a:buNone/>
-            </a:pPr>
-            <a:endParaRPr lang="hu-HU" dirty="0"/>
-          </a:p>
-          <a:p>
-            <a:pPr>
-              <a:buClr>
-                <a:srgbClr val="D2986C"/>
-              </a:buClr>
-            </a:pPr>
-            <a:r>
-              <a:rPr lang="hu-HU" dirty="0">
-                <a:solidFill>
-                  <a:schemeClr val="bg2">
-                    <a:lumMod val="60000"/>
-                    <a:lumOff val="40000"/>
-                  </a:schemeClr>
-                </a:solidFill>
+            <a:br>
+              <a:rPr kumimoji="0" lang="hu-HU" altLang="hu-HU" sz="800" b="0" i="0" u="none" strike="noStrike" cap="none" normalizeH="0" baseline="0" dirty="0">
+                <a:ln>
+                  <a:noFill/>
+                </a:ln>
+                <a:solidFill>
+                  <a:schemeClr val="tx1"/>
+                </a:solidFill>
+                <a:effectLst/>
               </a:rPr>
-              <a:t>Frontend: </a:t>
-            </a:r>
-          </a:p>
-        </p:txBody>
-      </p:sp>
-      <p:pic>
-        <p:nvPicPr>
-          <p:cNvPr id="4" name="Kép 3">
+            </a:br>
+            <a:endParaRPr kumimoji="0" lang="hu-HU" altLang="hu-HU" sz="1800" b="0" i="0" u="none" strike="noStrike" cap="none" normalizeH="0" baseline="0" dirty="0">
+              <a:ln>
+                <a:noFill/>
+              </a:ln>
+              <a:solidFill>
+                <a:schemeClr val="tx1"/>
+              </a:solidFill>
+              <a:effectLst/>
+              <a:latin typeface="Arial" panose="020B0604020202020204" pitchFamily="34" charset="0"/>
+            </a:endParaRPr>
+          </a:p>
+        </p:txBody>
+      </p:sp>
+      <p:sp>
+        <p:nvSpPr>
+          <p:cNvPr id="5" name="Téglalap 4">
             <a:extLst>
               <a:ext uri="{FF2B5EF4-FFF2-40B4-BE49-F238E27FC236}">
-                <a16:creationId xmlns:a16="http://schemas.microsoft.com/office/drawing/2014/main" id="{968BEB62-5D45-442B-A816-1781A996486C}"/>
-              </a:ext>
-            </a:extLst>
-          </p:cNvPr>
-          <p:cNvPicPr>
-            <a:picLocks noChangeAspect="1"/>
-          </p:cNvPicPr>
-          <p:nvPr/>
-        </p:nvPicPr>
-        <p:blipFill rotWithShape="1">
-          <a:blip r:embed="rId2"/>
-          <a:srcRect l="64806" t="57994" r="18228" b="29061"/>
-          <a:stretch/>
-        </p:blipFill>
-        <p:spPr>
-          <a:xfrm>
-            <a:off x="2882242" y="2554326"/>
-            <a:ext cx="3551068" cy="1524064"/>
-          </a:xfrm>
-          <a:prstGeom prst="rect">
-            <a:avLst/>
-          </a:prstGeom>
-          <a:ln>
-            <a:noFill/>
-          </a:ln>
-          <a:effectLst>
-            <a:outerShdw blurRad="190500" algn="tl" rotWithShape="0">
-              <a:srgbClr val="000000">
-                <a:alpha val="70000"/>
-              </a:srgbClr>
-            </a:outerShdw>
-          </a:effectLst>
-        </p:spPr>
-      </p:pic>
-      <p:pic>
-        <p:nvPicPr>
-          <p:cNvPr id="6" name="Kép 5">
-            <a:extLst>
-              <a:ext uri="{FF2B5EF4-FFF2-40B4-BE49-F238E27FC236}">
-                <a16:creationId xmlns:a16="http://schemas.microsoft.com/office/drawing/2014/main" id="{3EEDF3BA-D842-479F-BE33-66F2FF4B5AC3}"/>
-              </a:ext>
-            </a:extLst>
-          </p:cNvPr>
-          <p:cNvPicPr>
-            <a:picLocks noChangeAspect="1"/>
-          </p:cNvPicPr>
-          <p:nvPr/>
-        </p:nvPicPr>
-        <p:blipFill>
-          <a:blip r:embed="rId3">
-            <a:extLst>
-              <a:ext uri="{28A0092B-C50C-407E-A947-70E740481C1C}">
-                <a14:useLocalDpi xmlns:a14="http://schemas.microsoft.com/office/drawing/2010/main" val="0"/>
-              </a:ext>
-            </a:extLst>
-          </a:blip>
-          <a:stretch>
-            <a:fillRect/>
-          </a:stretch>
-        </p:blipFill>
-        <p:spPr>
-          <a:xfrm>
-            <a:off x="2811221" y="4952696"/>
-            <a:ext cx="1048089" cy="864674"/>
-          </a:xfrm>
-          <a:prstGeom prst="rect">
-            <a:avLst/>
-          </a:prstGeom>
-          <a:ln>
-            <a:noFill/>
-          </a:ln>
-          <a:effectLst>
-            <a:outerShdw blurRad="190500" algn="tl" rotWithShape="0">
-              <a:srgbClr val="000000">
-                <a:alpha val="70000"/>
-              </a:srgbClr>
-            </a:outerShdw>
-          </a:effectLst>
-        </p:spPr>
-      </p:pic>
-      <p:pic>
-        <p:nvPicPr>
-          <p:cNvPr id="8" name="Kép 7">
-            <a:extLst>
-              <a:ext uri="{FF2B5EF4-FFF2-40B4-BE49-F238E27FC236}">
-                <a16:creationId xmlns:a16="http://schemas.microsoft.com/office/drawing/2014/main" id="{855CC71E-AF8A-4CDE-8CD3-64FCC148EF8F}"/>
-              </a:ext>
-            </a:extLst>
-          </p:cNvPr>
-          <p:cNvPicPr>
-            <a:picLocks noChangeAspect="1"/>
-          </p:cNvPicPr>
-          <p:nvPr/>
-        </p:nvPicPr>
-        <p:blipFill rotWithShape="1">
-          <a:blip r:embed="rId4">
-            <a:extLst>
-              <a:ext uri="{28A0092B-C50C-407E-A947-70E740481C1C}">
-                <a14:useLocalDpi xmlns:a14="http://schemas.microsoft.com/office/drawing/2010/main" val="0"/>
-              </a:ext>
-            </a:extLst>
-          </a:blip>
-          <a:srcRect l="22077" t="32886" r="22542" b="33749"/>
-          <a:stretch/>
-        </p:blipFill>
-        <p:spPr>
-          <a:xfrm>
-            <a:off x="4112983" y="5058821"/>
-            <a:ext cx="3467767" cy="696405"/>
-          </a:xfrm>
-          <a:prstGeom prst="rect">
-            <a:avLst/>
-          </a:prstGeom>
-          <a:ln>
-            <a:noFill/>
-          </a:ln>
-          <a:effectLst>
-            <a:outerShdw blurRad="190500" algn="tl" rotWithShape="0">
-              <a:srgbClr val="000000">
-                <a:alpha val="70000"/>
-              </a:srgbClr>
-            </a:outerShdw>
-          </a:effectLst>
-        </p:spPr>
-      </p:pic>
-      <p:sp>
-        <p:nvSpPr>
-          <p:cNvPr id="9" name="Szövegdoboz 8">
-            <a:extLst>
-              <a:ext uri="{FF2B5EF4-FFF2-40B4-BE49-F238E27FC236}">
-                <a16:creationId xmlns:a16="http://schemas.microsoft.com/office/drawing/2014/main" id="{5139791B-FC4C-4C45-9D5A-8D1CCBE49C93}"/>
-              </a:ext>
-            </a:extLst>
-          </p:cNvPr>
-          <p:cNvSpPr txBox="1"/>
-          <p:nvPr/>
-        </p:nvSpPr>
-        <p:spPr>
-          <a:xfrm>
-            <a:off x="7482127" y="1999925"/>
-            <a:ext cx="1710725" cy="400110"/>
-          </a:xfrm>
-          <a:prstGeom prst="rect">
-            <a:avLst/>
-          </a:prstGeom>
-          <a:noFill/>
-        </p:spPr>
-        <p:txBody>
-          <a:bodyPr wrap="none" rtlCol="0">
-            <a:spAutoFit/>
-          </a:bodyPr>
-          <a:lstStyle/>
-          <a:p>
-            <a:pPr marL="285750" indent="-285750">
-              <a:buClr>
-                <a:srgbClr val="D2986C"/>
-              </a:buClr>
-              <a:buFont typeface="Arial" panose="020B0604020202020204" pitchFamily="34" charset="0"/>
-              <a:buChar char="•"/>
-            </a:pPr>
-            <a:r>
-              <a:rPr lang="hu-HU" sz="2000" dirty="0">
-                <a:solidFill>
-                  <a:schemeClr val="bg2">
-                    <a:lumMod val="60000"/>
-                    <a:lumOff val="40000"/>
-                  </a:schemeClr>
-                </a:solidFill>
-              </a:rPr>
-              <a:t>Adatbázis:</a:t>
-            </a:r>
-          </a:p>
-        </p:txBody>
-      </p:sp>
-      <p:pic>
-        <p:nvPicPr>
-          <p:cNvPr id="11" name="Kép 10">
-            <a:extLst>
-              <a:ext uri="{FF2B5EF4-FFF2-40B4-BE49-F238E27FC236}">
-                <a16:creationId xmlns:a16="http://schemas.microsoft.com/office/drawing/2014/main" id="{4A978894-043C-4D49-B7EC-0E122FF95EF3}"/>
-              </a:ext>
-            </a:extLst>
-          </p:cNvPr>
-          <p:cNvPicPr>
-            <a:picLocks noChangeAspect="1"/>
-          </p:cNvPicPr>
-          <p:nvPr/>
-        </p:nvPicPr>
-        <p:blipFill>
-          <a:blip r:embed="rId5">
-            <a:extLst>
-              <a:ext uri="{28A0092B-C50C-407E-A947-70E740481C1C}">
-                <a14:useLocalDpi xmlns:a14="http://schemas.microsoft.com/office/drawing/2010/main" val="0"/>
-              </a:ext>
-            </a:extLst>
-          </a:blip>
-          <a:stretch>
-            <a:fillRect/>
-          </a:stretch>
-        </p:blipFill>
-        <p:spPr>
-          <a:xfrm>
-            <a:off x="7806820" y="2457179"/>
-            <a:ext cx="1755585" cy="978738"/>
-          </a:xfrm>
-          <a:prstGeom prst="rect">
-            <a:avLst/>
-          </a:prstGeom>
-          <a:ln>
-            <a:noFill/>
-          </a:ln>
-          <a:effectLst>
-            <a:outerShdw blurRad="190500" algn="tl" rotWithShape="0">
-              <a:srgbClr val="000000">
-                <a:alpha val="70000"/>
-              </a:srgbClr>
-            </a:outerShdw>
-          </a:effectLst>
-        </p:spPr>
-      </p:pic>
-      <p:pic>
-        <p:nvPicPr>
-          <p:cNvPr id="13" name="Kép 12">
-            <a:extLst>
-              <a:ext uri="{FF2B5EF4-FFF2-40B4-BE49-F238E27FC236}">
-                <a16:creationId xmlns:a16="http://schemas.microsoft.com/office/drawing/2014/main" id="{96410068-6C11-4DD4-9178-5229B50105B9}"/>
-              </a:ext>
-            </a:extLst>
-          </p:cNvPr>
-          <p:cNvPicPr>
-            <a:picLocks noChangeAspect="1"/>
-          </p:cNvPicPr>
-          <p:nvPr/>
-        </p:nvPicPr>
-        <p:blipFill>
-          <a:blip r:embed="rId6">
-            <a:extLst>
-              <a:ext uri="{28A0092B-C50C-407E-A947-70E740481C1C}">
-                <a14:useLocalDpi xmlns:a14="http://schemas.microsoft.com/office/drawing/2010/main" val="0"/>
-              </a:ext>
-            </a:extLst>
-          </a:blip>
-          <a:stretch>
-            <a:fillRect/>
-          </a:stretch>
-        </p:blipFill>
-        <p:spPr>
-          <a:xfrm>
-            <a:off x="9887098" y="2807244"/>
-            <a:ext cx="665848" cy="675281"/>
-          </a:xfrm>
-          <a:prstGeom prst="rect">
-            <a:avLst/>
-          </a:prstGeom>
-          <a:ln>
-            <a:noFill/>
-          </a:ln>
-          <a:effectLst>
-            <a:outerShdw blurRad="190500" algn="tl" rotWithShape="0">
-              <a:srgbClr val="000000">
-                <a:alpha val="70000"/>
-              </a:srgbClr>
-            </a:outerShdw>
-          </a:effectLst>
-        </p:spPr>
-      </p:pic>
-      <p:sp>
-        <p:nvSpPr>
-          <p:cNvPr id="17" name="Téglalap 16">
-            <a:extLst>
-              <a:ext uri="{FF2B5EF4-FFF2-40B4-BE49-F238E27FC236}">
-                <a16:creationId xmlns:a16="http://schemas.microsoft.com/office/drawing/2014/main" id="{59354905-36D4-4713-8EE4-9011EDF32EE0}"/>
+                <a16:creationId xmlns:a16="http://schemas.microsoft.com/office/drawing/2014/main" id="{8FFD6960-497F-4691-8BC7-DB1135DC97A7}"/>
               </a:ext>
             </a:extLst>
           </p:cNvPr>
@@ -7064,10 +7030,10 @@
       </p:sp>
       <p:pic>
         <p:nvPicPr>
-          <p:cNvPr id="16" name="Ábra 15">
+          <p:cNvPr id="6" name="Ábra 5">
             <a:extLst>
               <a:ext uri="{FF2B5EF4-FFF2-40B4-BE49-F238E27FC236}">
-                <a16:creationId xmlns:a16="http://schemas.microsoft.com/office/drawing/2014/main" id="{1B5BC608-411D-4C1B-B55A-6C13E09567B0}"/>
+                <a16:creationId xmlns:a16="http://schemas.microsoft.com/office/drawing/2014/main" id="{533CECAD-B14A-4714-B4BE-2BAE39CF147E}"/>
               </a:ext>
             </a:extLst>
           </p:cNvPr>
@@ -7077,13 +7043,13 @@
           <p:nvPr/>
         </p:nvPicPr>
         <p:blipFill>
-          <a:blip r:embed="rId7">
+          <a:blip r:embed="rId2">
             <a:extLst>
               <a:ext uri="{28A0092B-C50C-407E-A947-70E740481C1C}">
                 <a14:useLocalDpi xmlns:a14="http://schemas.microsoft.com/office/drawing/2010/main" val="0"/>
               </a:ext>
               <a:ext uri="{96DAC541-7B7A-43D3-8B79-37D633B846F1}">
-                <asvg:svgBlip xmlns:asvg="http://schemas.microsoft.com/office/drawing/2016/SVG/main" r:embed="rId8"/>
+                <asvg:svgBlip xmlns:asvg="http://schemas.microsoft.com/office/drawing/2016/SVG/main" r:embed="rId3"/>
               </a:ext>
             </a:extLst>
           </a:blip>
@@ -7109,7 +7075,7 @@
     </p:spTree>
     <p:extLst>
       <p:ext uri="{BB962C8B-B14F-4D97-AF65-F5344CB8AC3E}">
-        <p14:creationId xmlns:p14="http://schemas.microsoft.com/office/powerpoint/2010/main" val="2770252091"/>
+        <p14:creationId xmlns:p14="http://schemas.microsoft.com/office/powerpoint/2010/main" val="3876594691"/>
       </p:ext>
     </p:extLst>
   </p:cSld>
@@ -7542,7 +7508,7 @@
         </p:nvSpPr>
         <p:spPr>
           <a:xfrm>
-            <a:off x="1695495" y="794078"/>
+            <a:off x="1695494" y="137465"/>
             <a:ext cx="9291215" cy="1049235"/>
           </a:xfrm>
           <a:ln>
@@ -7602,7 +7568,7 @@
         </p:nvSpPr>
         <p:spPr>
           <a:xfrm>
-            <a:off x="2263847" y="2375029"/>
+            <a:off x="2487412" y="1083984"/>
             <a:ext cx="2586280" cy="718590"/>
           </a:xfrm>
         </p:spPr>
@@ -7645,7 +7611,7 @@
         </p:nvSpPr>
         <p:spPr>
           <a:xfrm>
-            <a:off x="5453869" y="2375029"/>
+            <a:off x="5415435" y="1062274"/>
             <a:ext cx="2834854" cy="718590"/>
           </a:xfrm>
           <a:prstGeom prst="rect">
@@ -7900,7 +7866,7 @@
         </p:nvSpPr>
         <p:spPr>
           <a:xfrm>
-            <a:off x="8892466" y="2375029"/>
+            <a:off x="8980870" y="1102854"/>
             <a:ext cx="2274082" cy="718590"/>
           </a:xfrm>
           <a:prstGeom prst="rect">
@@ -8234,7 +8200,7 @@
         </p:blipFill>
         <p:spPr>
           <a:xfrm>
-            <a:off x="481812" y="97655"/>
+            <a:off x="312208" y="203155"/>
             <a:ext cx="2366808" cy="2920713"/>
           </a:xfrm>
           <a:prstGeom prst="rect">
@@ -8261,7 +8227,7 @@
         </p:nvSpPr>
         <p:spPr>
           <a:xfrm>
-            <a:off x="2263847" y="3574964"/>
+            <a:off x="2481706" y="4070707"/>
             <a:ext cx="1869423" cy="400110"/>
           </a:xfrm>
           <a:prstGeom prst="rect">
@@ -8285,7 +8251,9 @@
             <a:r>
               <a:rPr lang="hu-HU" sz="2000" b="1" dirty="0" err="1">
                 <a:solidFill>
-                  <a:srgbClr val="D2986C"/>
+                  <a:schemeClr val="accent6">
+                    <a:lumMod val="75000"/>
+                  </a:schemeClr>
                 </a:solidFill>
               </a:rPr>
               <a:t>Controller</a:t>
@@ -8293,7 +8261,9 @@
             <a:r>
               <a:rPr lang="hu-HU" sz="2000" b="1" dirty="0">
                 <a:solidFill>
-                  <a:srgbClr val="D2986C"/>
+                  <a:schemeClr val="accent6">
+                    <a:lumMod val="75000"/>
+                  </a:schemeClr>
                 </a:solidFill>
               </a:rPr>
               <a:t>:</a:t>
@@ -8315,8 +8285,8 @@
         </p:nvSpPr>
         <p:spPr>
           <a:xfrm>
-            <a:off x="8882643" y="3981882"/>
-            <a:ext cx="1853392" cy="400110"/>
+            <a:off x="8981311" y="3704379"/>
+            <a:ext cx="1869422" cy="400110"/>
           </a:xfrm>
           <a:prstGeom prst="rect">
             <a:avLst/>
@@ -8324,7 +8294,7 @@
           <a:noFill/>
         </p:spPr>
         <p:txBody>
-          <a:bodyPr wrap="none" rtlCol="0">
+          <a:bodyPr wrap="square" rtlCol="0">
             <a:spAutoFit/>
           </a:bodyPr>
           <a:lstStyle/>
@@ -8339,7 +8309,9 @@
             <a:r>
               <a:rPr lang="hu-HU" sz="2000" b="1" dirty="0" err="1">
                 <a:solidFill>
-                  <a:srgbClr val="D2986C"/>
+                  <a:schemeClr val="accent6">
+                    <a:lumMod val="75000"/>
+                  </a:schemeClr>
                 </a:solidFill>
               </a:rPr>
               <a:t>Controller</a:t>
@@ -8369,7 +8341,7 @@
         </p:nvSpPr>
         <p:spPr>
           <a:xfrm>
-            <a:off x="2502027" y="3975074"/>
+            <a:off x="2679016" y="4417902"/>
             <a:ext cx="2124108" cy="923330"/>
           </a:xfrm>
           <a:prstGeom prst="rect">
@@ -8449,8 +8421,8 @@
         </p:nvSpPr>
         <p:spPr>
           <a:xfrm>
-            <a:off x="9186315" y="4361807"/>
-            <a:ext cx="1549720" cy="923330"/>
+            <a:off x="9224834" y="4100112"/>
+            <a:ext cx="1563124" cy="923330"/>
           </a:xfrm>
           <a:prstGeom prst="rect">
             <a:avLst/>
@@ -8458,7 +8430,7 @@
           <a:noFill/>
         </p:spPr>
         <p:txBody>
-          <a:bodyPr wrap="none" rtlCol="0">
+          <a:bodyPr wrap="square" rtlCol="0">
             <a:spAutoFit/>
           </a:bodyPr>
           <a:lstStyle/>
@@ -8512,10 +8484,10 @@
       </p:sp>
       <p:sp>
         <p:nvSpPr>
-          <p:cNvPr id="14" name="Szövegdoboz 13">
+          <p:cNvPr id="22" name="Szövegdoboz 21">
             <a:extLst>
               <a:ext uri="{FF2B5EF4-FFF2-40B4-BE49-F238E27FC236}">
-                <a16:creationId xmlns:a16="http://schemas.microsoft.com/office/drawing/2014/main" id="{32C66294-4353-46D7-938F-154CB58C8109}"/>
+                <a16:creationId xmlns:a16="http://schemas.microsoft.com/office/drawing/2014/main" id="{83B0C9FD-A335-4239-96F1-A7D79C75FD83}"/>
               </a:ext>
             </a:extLst>
           </p:cNvPr>
@@ -8524,8 +8496,54 @@
         </p:nvSpPr>
         <p:spPr>
           <a:xfrm>
-            <a:off x="8892465" y="2846865"/>
-            <a:ext cx="1385316" cy="400110"/>
+            <a:off x="5717812" y="3535102"/>
+            <a:ext cx="2280432" cy="369332"/>
+          </a:xfrm>
+          <a:prstGeom prst="rect">
+            <a:avLst/>
+          </a:prstGeom>
+          <a:noFill/>
+        </p:spPr>
+        <p:txBody>
+          <a:bodyPr wrap="none" rtlCol="0">
+            <a:spAutoFit/>
+          </a:bodyPr>
+          <a:lstStyle/>
+          <a:p>
+            <a:pPr marL="342900" indent="-342900">
+              <a:buClr>
+                <a:srgbClr val="D2986C"/>
+              </a:buClr>
+              <a:buFont typeface="Wingdings" panose="05000000000000000000" pitchFamily="2" charset="2"/>
+              <a:buChar char="§"/>
+            </a:pPr>
+            <a:r>
+              <a:rPr lang="hu-HU" dirty="0">
+                <a:solidFill>
+                  <a:srgbClr val="D2986C"/>
+                </a:solidFill>
+              </a:rPr>
+              <a:t>Nyereményjáték</a:t>
+            </a:r>
+          </a:p>
+        </p:txBody>
+      </p:sp>
+      <p:sp>
+        <p:nvSpPr>
+          <p:cNvPr id="23" name="Szövegdoboz 22">
+            <a:extLst>
+              <a:ext uri="{FF2B5EF4-FFF2-40B4-BE49-F238E27FC236}">
+                <a16:creationId xmlns:a16="http://schemas.microsoft.com/office/drawing/2014/main" id="{E4A73936-54AE-4668-8066-250BE64C4818}"/>
+              </a:ext>
+            </a:extLst>
+          </p:cNvPr>
+          <p:cNvSpPr txBox="1"/>
+          <p:nvPr/>
+        </p:nvSpPr>
+        <p:spPr>
+          <a:xfrm>
+            <a:off x="2481706" y="1569475"/>
+            <a:ext cx="1709122" cy="400110"/>
           </a:xfrm>
           <a:prstGeom prst="rect">
             <a:avLst/>
@@ -8548,25 +8566,22 @@
             <a:r>
               <a:rPr lang="hu-HU" sz="2000" b="1" dirty="0">
                 <a:solidFill>
-                  <a:srgbClr val="D2986C"/>
+                  <a:schemeClr val="accent6">
+                    <a:lumMod val="75000"/>
+                  </a:schemeClr>
                 </a:solidFill>
               </a:rPr>
-              <a:t>Rólunk</a:t>
-            </a:r>
-            <a:endParaRPr lang="hu-HU" sz="2000" dirty="0">
-              <a:solidFill>
-                <a:srgbClr val="D2986C"/>
-              </a:solidFill>
-            </a:endParaRPr>
-          </a:p>
-        </p:txBody>
-      </p:sp>
-      <p:sp>
-        <p:nvSpPr>
-          <p:cNvPr id="16" name="Szövegdoboz 15">
+              <a:t>Frontend:</a:t>
+            </a:r>
+          </a:p>
+        </p:txBody>
+      </p:sp>
+      <p:sp>
+        <p:nvSpPr>
+          <p:cNvPr id="25" name="Szövegdoboz 24">
             <a:extLst>
               <a:ext uri="{FF2B5EF4-FFF2-40B4-BE49-F238E27FC236}">
-                <a16:creationId xmlns:a16="http://schemas.microsoft.com/office/drawing/2014/main" id="{B261506F-79EC-4378-90CA-F3E4ED98F9F9}"/>
+                <a16:creationId xmlns:a16="http://schemas.microsoft.com/office/drawing/2014/main" id="{7A9CB058-D730-4F97-BB55-671AB581FA92}"/>
               </a:ext>
             </a:extLst>
           </p:cNvPr>
@@ -8575,8 +8590,8 @@
         </p:nvSpPr>
         <p:spPr>
           <a:xfrm>
-            <a:off x="5694934" y="2893564"/>
-            <a:ext cx="2507481" cy="400110"/>
+            <a:off x="5417685" y="1564324"/>
+            <a:ext cx="1709122" cy="400110"/>
           </a:xfrm>
           <a:prstGeom prst="rect">
             <a:avLst/>
@@ -8599,20 +8614,22 @@
             <a:r>
               <a:rPr lang="hu-HU" sz="2000" b="1" dirty="0">
                 <a:solidFill>
-                  <a:srgbClr val="D2986C"/>
+                  <a:schemeClr val="accent6">
+                    <a:lumMod val="75000"/>
+                  </a:schemeClr>
                 </a:solidFill>
               </a:rPr>
-              <a:t>Design tervezés</a:t>
-            </a:r>
-          </a:p>
-        </p:txBody>
-      </p:sp>
-      <p:sp>
-        <p:nvSpPr>
-          <p:cNvPr id="17" name="Szövegdoboz 16">
+              <a:t>Frontend:</a:t>
+            </a:r>
+          </a:p>
+        </p:txBody>
+      </p:sp>
+      <p:sp>
+        <p:nvSpPr>
+          <p:cNvPr id="27" name="Szövegdoboz 26">
             <a:extLst>
               <a:ext uri="{FF2B5EF4-FFF2-40B4-BE49-F238E27FC236}">
-                <a16:creationId xmlns:a16="http://schemas.microsoft.com/office/drawing/2014/main" id="{27DB388B-9DA7-4520-A1A1-FE0EB728A6F3}"/>
+                <a16:creationId xmlns:a16="http://schemas.microsoft.com/office/drawing/2014/main" id="{75FF0C6D-D491-4581-A4FA-34B8D6DF9A70}"/>
               </a:ext>
             </a:extLst>
           </p:cNvPr>
@@ -8621,8 +8638,8 @@
         </p:nvSpPr>
         <p:spPr>
           <a:xfrm>
-            <a:off x="5694933" y="3228945"/>
-            <a:ext cx="1292341" cy="400110"/>
+            <a:off x="5415435" y="3134992"/>
+            <a:ext cx="1869423" cy="400110"/>
           </a:xfrm>
           <a:prstGeom prst="rect">
             <a:avLst/>
@@ -8645,25 +8662,32 @@
             <a:r>
               <a:rPr lang="hu-HU" sz="2000" b="1" dirty="0" err="1">
                 <a:solidFill>
-                  <a:srgbClr val="D2986C"/>
+                  <a:schemeClr val="accent6">
+                    <a:lumMod val="75000"/>
+                  </a:schemeClr>
                 </a:solidFill>
               </a:rPr>
-              <a:t>Figma</a:t>
-            </a:r>
-            <a:endParaRPr lang="hu-HU" sz="2000" b="1" dirty="0">
-              <a:solidFill>
-                <a:srgbClr val="D2986C"/>
-              </a:solidFill>
-            </a:endParaRPr>
-          </a:p>
-        </p:txBody>
-      </p:sp>
-      <p:sp>
-        <p:nvSpPr>
-          <p:cNvPr id="18" name="Szövegdoboz 17">
+              <a:t>Controller</a:t>
+            </a:r>
+            <a:r>
+              <a:rPr lang="hu-HU" sz="2000" b="1" dirty="0">
+                <a:solidFill>
+                  <a:schemeClr val="accent6">
+                    <a:lumMod val="75000"/>
+                  </a:schemeClr>
+                </a:solidFill>
+              </a:rPr>
+              <a:t>:</a:t>
+            </a:r>
+          </a:p>
+        </p:txBody>
+      </p:sp>
+      <p:sp>
+        <p:nvSpPr>
+          <p:cNvPr id="28" name="Szövegdoboz 27">
             <a:extLst>
               <a:ext uri="{FF2B5EF4-FFF2-40B4-BE49-F238E27FC236}">
-                <a16:creationId xmlns:a16="http://schemas.microsoft.com/office/drawing/2014/main" id="{9A0851AD-F4EF-47CC-8ED6-7FEB4B126E7E}"/>
+                <a16:creationId xmlns:a16="http://schemas.microsoft.com/office/drawing/2014/main" id="{4DEFB90C-033E-45DE-988A-0A06FDF99342}"/>
               </a:ext>
             </a:extLst>
           </p:cNvPr>
@@ -8672,8 +8696,8 @@
         </p:nvSpPr>
         <p:spPr>
           <a:xfrm>
-            <a:off x="8892465" y="3212440"/>
-            <a:ext cx="2507481" cy="400110"/>
+            <a:off x="8991775" y="1547840"/>
+            <a:ext cx="1709122" cy="400110"/>
           </a:xfrm>
           <a:prstGeom prst="rect">
             <a:avLst/>
@@ -8696,20 +8720,22 @@
             <a:r>
               <a:rPr lang="hu-HU" sz="2000" b="1" dirty="0">
                 <a:solidFill>
-                  <a:srgbClr val="D2986C"/>
+                  <a:schemeClr val="accent6">
+                    <a:lumMod val="75000"/>
+                  </a:schemeClr>
                 </a:solidFill>
               </a:rPr>
-              <a:t>Design tervezés</a:t>
-            </a:r>
-          </a:p>
-        </p:txBody>
-      </p:sp>
-      <p:sp>
-        <p:nvSpPr>
-          <p:cNvPr id="19" name="Szövegdoboz 18">
+              <a:t>Frontend:</a:t>
+            </a:r>
+          </a:p>
+        </p:txBody>
+      </p:sp>
+      <p:sp>
+        <p:nvSpPr>
+          <p:cNvPr id="30" name="Szövegdoboz 29">
             <a:extLst>
               <a:ext uri="{FF2B5EF4-FFF2-40B4-BE49-F238E27FC236}">
-                <a16:creationId xmlns:a16="http://schemas.microsoft.com/office/drawing/2014/main" id="{B12E7AA6-B054-4BFC-A202-558A29223F16}"/>
+                <a16:creationId xmlns:a16="http://schemas.microsoft.com/office/drawing/2014/main" id="{017561A3-DA1A-4B83-91E3-1397C2660168}"/>
               </a:ext>
             </a:extLst>
           </p:cNvPr>
@@ -8718,8 +8744,8 @@
         </p:nvSpPr>
         <p:spPr>
           <a:xfrm>
-            <a:off x="8892465" y="3592365"/>
-            <a:ext cx="1292341" cy="400110"/>
+            <a:off x="2679016" y="1853343"/>
+            <a:ext cx="2654958" cy="2246769"/>
           </a:xfrm>
           <a:prstGeom prst="rect">
             <a:avLst/>
@@ -8740,48 +8766,14 @@
               <a:buChar char="•"/>
             </a:pPr>
             <a:r>
-              <a:rPr lang="hu-HU" sz="2000" b="1" dirty="0" err="1">
+              <a:rPr lang="hu-HU" sz="2000" b="1" dirty="0">
                 <a:solidFill>
                   <a:srgbClr val="D2986C"/>
                 </a:solidFill>
               </a:rPr>
-              <a:t>Figma</a:t>
-            </a:r>
-            <a:endParaRPr lang="hu-HU" sz="2000" b="1" dirty="0">
-              <a:solidFill>
-                <a:srgbClr val="D2986C"/>
-              </a:solidFill>
-            </a:endParaRPr>
-          </a:p>
-        </p:txBody>
-      </p:sp>
-      <p:sp>
-        <p:nvSpPr>
-          <p:cNvPr id="20" name="Szövegdoboz 19">
-            <a:extLst>
-              <a:ext uri="{FF2B5EF4-FFF2-40B4-BE49-F238E27FC236}">
-                <a16:creationId xmlns:a16="http://schemas.microsoft.com/office/drawing/2014/main" id="{49207C6D-5A89-41AB-B32F-B8B328B3063B}"/>
-              </a:ext>
-            </a:extLst>
-          </p:cNvPr>
-          <p:cNvSpPr txBox="1"/>
-          <p:nvPr/>
-        </p:nvSpPr>
-        <p:spPr>
-          <a:xfrm>
-            <a:off x="2271741" y="2917466"/>
-            <a:ext cx="2507481" cy="400110"/>
-          </a:xfrm>
-          <a:prstGeom prst="rect">
-            <a:avLst/>
-          </a:prstGeom>
-          <a:noFill/>
-        </p:spPr>
-        <p:txBody>
-          <a:bodyPr wrap="none" rtlCol="0">
-            <a:spAutoFit/>
-          </a:bodyPr>
-          <a:lstStyle/>
+              <a:t>Design tervezése</a:t>
+            </a:r>
+          </a:p>
           <a:p>
             <a:pPr marL="285750" indent="-285750">
               <a:buClr>
@@ -8791,43 +8783,19 @@
               <a:buChar char="•"/>
             </a:pPr>
             <a:r>
-              <a:rPr lang="hu-HU" sz="2000" b="1" dirty="0">
+              <a:rPr lang="hu-HU" sz="2000" b="1" dirty="0" err="1">
                 <a:solidFill>
                   <a:srgbClr val="D2986C"/>
                 </a:solidFill>
               </a:rPr>
-              <a:t>Design tervezés</a:t>
-            </a:r>
-          </a:p>
-        </p:txBody>
-      </p:sp>
-      <p:sp>
-        <p:nvSpPr>
-          <p:cNvPr id="21" name="Szövegdoboz 20">
-            <a:extLst>
-              <a:ext uri="{FF2B5EF4-FFF2-40B4-BE49-F238E27FC236}">
-                <a16:creationId xmlns:a16="http://schemas.microsoft.com/office/drawing/2014/main" id="{5ED0AA61-6244-4B90-B3D9-40058BE761E8}"/>
-              </a:ext>
-            </a:extLst>
-          </p:cNvPr>
-          <p:cNvSpPr txBox="1"/>
-          <p:nvPr/>
-        </p:nvSpPr>
-        <p:spPr>
-          <a:xfrm>
-            <a:off x="2271740" y="3252847"/>
-            <a:ext cx="1292341" cy="400110"/>
-          </a:xfrm>
-          <a:prstGeom prst="rect">
-            <a:avLst/>
-          </a:prstGeom>
-          <a:noFill/>
-        </p:spPr>
-        <p:txBody>
-          <a:bodyPr wrap="none" rtlCol="0">
-            <a:spAutoFit/>
-          </a:bodyPr>
-          <a:lstStyle/>
+              <a:t>Figma</a:t>
+            </a:r>
+            <a:endParaRPr lang="hu-HU" sz="2000" b="1" dirty="0">
+              <a:solidFill>
+                <a:srgbClr val="D2986C"/>
+              </a:solidFill>
+            </a:endParaRPr>
+          </a:p>
           <a:p>
             <a:pPr marL="285750" indent="-285750">
               <a:buClr>
@@ -8842,7 +8810,7 @@
                   <a:srgbClr val="D2986C"/>
                 </a:solidFill>
               </a:rPr>
-              <a:t>Figma</a:t>
+              <a:t>Trello</a:t>
             </a:r>
             <a:endParaRPr lang="hu-HU" sz="2000" b="1" dirty="0">
               <a:solidFill>
@@ -8850,35 +8818,6 @@
               </a:solidFill>
             </a:endParaRPr>
           </a:p>
-        </p:txBody>
-      </p:sp>
-      <p:sp>
-        <p:nvSpPr>
-          <p:cNvPr id="22" name="Szövegdoboz 21">
-            <a:extLst>
-              <a:ext uri="{FF2B5EF4-FFF2-40B4-BE49-F238E27FC236}">
-                <a16:creationId xmlns:a16="http://schemas.microsoft.com/office/drawing/2014/main" id="{83B0C9FD-A335-4239-96F1-A7D79C75FD83}"/>
-              </a:ext>
-            </a:extLst>
-          </p:cNvPr>
-          <p:cNvSpPr txBox="1"/>
-          <p:nvPr/>
-        </p:nvSpPr>
-        <p:spPr>
-          <a:xfrm>
-            <a:off x="5694933" y="3592365"/>
-            <a:ext cx="2574679" cy="400110"/>
-          </a:xfrm>
-          <a:prstGeom prst="rect">
-            <a:avLst/>
-          </a:prstGeom>
-          <a:noFill/>
-        </p:spPr>
-        <p:txBody>
-          <a:bodyPr wrap="none" rtlCol="0">
-            <a:spAutoFit/>
-          </a:bodyPr>
-          <a:lstStyle/>
           <a:p>
             <a:pPr marL="285750" indent="-285750">
               <a:buClr>
@@ -8893,8 +8832,336 @@
                   <a:srgbClr val="D2986C"/>
                 </a:solidFill>
               </a:rPr>
+              <a:t>Regisztráció</a:t>
+            </a:r>
+          </a:p>
+          <a:p>
+            <a:pPr marL="285750" indent="-285750">
+              <a:buClr>
+                <a:srgbClr val="D2986C"/>
+              </a:buClr>
+              <a:buFont typeface="Arial" panose="020B0604020202020204" pitchFamily="34" charset="0"/>
+              <a:buChar char="•"/>
+            </a:pPr>
+            <a:r>
+              <a:rPr lang="hu-HU" sz="2000" b="1" dirty="0">
+                <a:solidFill>
+                  <a:srgbClr val="D2986C"/>
+                </a:solidFill>
+              </a:rPr>
+              <a:t>Bejelentkezés</a:t>
+            </a:r>
+          </a:p>
+          <a:p>
+            <a:pPr marL="285750" indent="-285750">
+              <a:buClr>
+                <a:srgbClr val="D2986C"/>
+              </a:buClr>
+              <a:buFont typeface="Arial" panose="020B0604020202020204" pitchFamily="34" charset="0"/>
+              <a:buChar char="•"/>
+            </a:pPr>
+            <a:r>
+              <a:rPr lang="hu-HU" sz="2000" b="1" dirty="0">
+                <a:solidFill>
+                  <a:srgbClr val="D2986C"/>
+                </a:solidFill>
+              </a:rPr>
+              <a:t>Időpontfoglalás</a:t>
+            </a:r>
+          </a:p>
+          <a:p>
+            <a:pPr marL="285750" indent="-285750">
+              <a:buClr>
+                <a:srgbClr val="D2986C"/>
+              </a:buClr>
+              <a:buFont typeface="Arial" panose="020B0604020202020204" pitchFamily="34" charset="0"/>
+              <a:buChar char="•"/>
+            </a:pPr>
+            <a:r>
+              <a:rPr lang="hu-HU" sz="2000" b="1" dirty="0">
+                <a:solidFill>
+                  <a:srgbClr val="D2986C"/>
+                </a:solidFill>
+              </a:rPr>
+              <a:t>Kosár</a:t>
+            </a:r>
+            <a:endParaRPr lang="hu-HU" sz="2000" dirty="0">
+              <a:solidFill>
+                <a:srgbClr val="D2986C"/>
+              </a:solidFill>
+            </a:endParaRPr>
+          </a:p>
+        </p:txBody>
+      </p:sp>
+      <p:sp>
+        <p:nvSpPr>
+          <p:cNvPr id="31" name="Szövegdoboz 30">
+            <a:extLst>
+              <a:ext uri="{FF2B5EF4-FFF2-40B4-BE49-F238E27FC236}">
+                <a16:creationId xmlns:a16="http://schemas.microsoft.com/office/drawing/2014/main" id="{0A87A05E-0A44-4079-86A3-066395B818E6}"/>
+              </a:ext>
+            </a:extLst>
+          </p:cNvPr>
+          <p:cNvSpPr txBox="1"/>
+          <p:nvPr/>
+        </p:nvSpPr>
+        <p:spPr>
+          <a:xfrm>
+            <a:off x="5656168" y="1842375"/>
+            <a:ext cx="2654958" cy="1631216"/>
+          </a:xfrm>
+          <a:prstGeom prst="rect">
+            <a:avLst/>
+          </a:prstGeom>
+          <a:noFill/>
+        </p:spPr>
+        <p:txBody>
+          <a:bodyPr wrap="none" rtlCol="0">
+            <a:spAutoFit/>
+          </a:bodyPr>
+          <a:lstStyle/>
+          <a:p>
+            <a:pPr marL="285750" indent="-285750">
+              <a:buClr>
+                <a:srgbClr val="D2986C"/>
+              </a:buClr>
+              <a:buFont typeface="Arial" panose="020B0604020202020204" pitchFamily="34" charset="0"/>
+              <a:buChar char="•"/>
+            </a:pPr>
+            <a:r>
+              <a:rPr lang="hu-HU" sz="2000" b="1" dirty="0">
+                <a:solidFill>
+                  <a:srgbClr val="D2986C"/>
+                </a:solidFill>
+              </a:rPr>
+              <a:t>Design tervezése</a:t>
+            </a:r>
+          </a:p>
+          <a:p>
+            <a:pPr marL="285750" indent="-285750">
+              <a:buClr>
+                <a:srgbClr val="D2986C"/>
+              </a:buClr>
+              <a:buFont typeface="Arial" panose="020B0604020202020204" pitchFamily="34" charset="0"/>
+              <a:buChar char="•"/>
+            </a:pPr>
+            <a:r>
+              <a:rPr lang="hu-HU" sz="2000" b="1" dirty="0" err="1">
+                <a:solidFill>
+                  <a:srgbClr val="D2986C"/>
+                </a:solidFill>
+              </a:rPr>
+              <a:t>Figma</a:t>
+            </a:r>
+            <a:endParaRPr lang="hu-HU" sz="2000" b="1" dirty="0">
+              <a:solidFill>
+                <a:srgbClr val="D2986C"/>
+              </a:solidFill>
+            </a:endParaRPr>
+          </a:p>
+          <a:p>
+            <a:pPr marL="285750" indent="-285750">
+              <a:buClr>
+                <a:srgbClr val="D2986C"/>
+              </a:buClr>
+              <a:buFont typeface="Arial" panose="020B0604020202020204" pitchFamily="34" charset="0"/>
+              <a:buChar char="•"/>
+            </a:pPr>
+            <a:r>
+              <a:rPr lang="hu-HU" sz="2000" b="1" dirty="0" err="1">
+                <a:solidFill>
+                  <a:srgbClr val="D2986C"/>
+                </a:solidFill>
+              </a:rPr>
+              <a:t>Trello</a:t>
+            </a:r>
+            <a:endParaRPr lang="hu-HU" sz="2000" b="1" dirty="0">
+              <a:solidFill>
+                <a:srgbClr val="D2986C"/>
+              </a:solidFill>
+            </a:endParaRPr>
+          </a:p>
+          <a:p>
+            <a:pPr marL="285750" indent="-285750">
+              <a:buClr>
+                <a:srgbClr val="D2986C"/>
+              </a:buClr>
+              <a:buFont typeface="Arial" panose="020B0604020202020204" pitchFamily="34" charset="0"/>
+              <a:buChar char="•"/>
+            </a:pPr>
+            <a:r>
+              <a:rPr lang="hu-HU" sz="2000" b="1" dirty="0">
+                <a:solidFill>
+                  <a:srgbClr val="D2986C"/>
+                </a:solidFill>
+              </a:rPr>
               <a:t>Nyereményjáték</a:t>
             </a:r>
+          </a:p>
+          <a:p>
+            <a:pPr marL="285750" indent="-285750">
+              <a:buClr>
+                <a:srgbClr val="D2986C"/>
+              </a:buClr>
+              <a:buFont typeface="Arial" panose="020B0604020202020204" pitchFamily="34" charset="0"/>
+              <a:buChar char="•"/>
+            </a:pPr>
+            <a:endParaRPr lang="hu-HU" sz="2000" b="1" dirty="0">
+              <a:solidFill>
+                <a:srgbClr val="D2986C"/>
+              </a:solidFill>
+            </a:endParaRPr>
+          </a:p>
+        </p:txBody>
+      </p:sp>
+      <p:sp>
+        <p:nvSpPr>
+          <p:cNvPr id="32" name="Szövegdoboz 31">
+            <a:extLst>
+              <a:ext uri="{FF2B5EF4-FFF2-40B4-BE49-F238E27FC236}">
+                <a16:creationId xmlns:a16="http://schemas.microsoft.com/office/drawing/2014/main" id="{314DD570-4785-47CA-8A57-1B127398AC8C}"/>
+              </a:ext>
+            </a:extLst>
+          </p:cNvPr>
+          <p:cNvSpPr txBox="1"/>
+          <p:nvPr/>
+        </p:nvSpPr>
+        <p:spPr>
+          <a:xfrm>
+            <a:off x="9224834" y="1842375"/>
+            <a:ext cx="2654958" cy="1938992"/>
+          </a:xfrm>
+          <a:prstGeom prst="rect">
+            <a:avLst/>
+          </a:prstGeom>
+          <a:noFill/>
+        </p:spPr>
+        <p:txBody>
+          <a:bodyPr wrap="none" rtlCol="0">
+            <a:spAutoFit/>
+          </a:bodyPr>
+          <a:lstStyle/>
+          <a:p>
+            <a:pPr marL="285750" indent="-285750">
+              <a:buClr>
+                <a:srgbClr val="D2986C"/>
+              </a:buClr>
+              <a:buFont typeface="Arial" panose="020B0604020202020204" pitchFamily="34" charset="0"/>
+              <a:buChar char="•"/>
+            </a:pPr>
+            <a:r>
+              <a:rPr lang="hu-HU" sz="2000" b="1" dirty="0">
+                <a:solidFill>
+                  <a:srgbClr val="D2986C"/>
+                </a:solidFill>
+              </a:rPr>
+              <a:t>Design tervezése</a:t>
+            </a:r>
+          </a:p>
+          <a:p>
+            <a:pPr marL="285750" indent="-285750">
+              <a:buClr>
+                <a:srgbClr val="D2986C"/>
+              </a:buClr>
+              <a:buFont typeface="Arial" panose="020B0604020202020204" pitchFamily="34" charset="0"/>
+              <a:buChar char="•"/>
+            </a:pPr>
+            <a:r>
+              <a:rPr lang="hu-HU" sz="2000" b="1" dirty="0" err="1">
+                <a:solidFill>
+                  <a:srgbClr val="D2986C"/>
+                </a:solidFill>
+              </a:rPr>
+              <a:t>Figma</a:t>
+            </a:r>
+            <a:endParaRPr lang="hu-HU" sz="2000" b="1" dirty="0">
+              <a:solidFill>
+                <a:srgbClr val="D2986C"/>
+              </a:solidFill>
+            </a:endParaRPr>
+          </a:p>
+          <a:p>
+            <a:pPr marL="285750" indent="-285750">
+              <a:buClr>
+                <a:srgbClr val="D2986C"/>
+              </a:buClr>
+              <a:buFont typeface="Arial" panose="020B0604020202020204" pitchFamily="34" charset="0"/>
+              <a:buChar char="•"/>
+            </a:pPr>
+            <a:r>
+              <a:rPr lang="hu-HU" sz="2000" b="1" dirty="0" err="1">
+                <a:solidFill>
+                  <a:srgbClr val="D2986C"/>
+                </a:solidFill>
+              </a:rPr>
+              <a:t>Trello</a:t>
+            </a:r>
+            <a:endParaRPr lang="hu-HU" sz="2000" b="1" dirty="0">
+              <a:solidFill>
+                <a:srgbClr val="D2986C"/>
+              </a:solidFill>
+            </a:endParaRPr>
+          </a:p>
+          <a:p>
+            <a:pPr marL="285750" indent="-285750">
+              <a:buClr>
+                <a:srgbClr val="D2986C"/>
+              </a:buClr>
+              <a:buFont typeface="Arial" panose="020B0604020202020204" pitchFamily="34" charset="0"/>
+              <a:buChar char="•"/>
+            </a:pPr>
+            <a:r>
+              <a:rPr lang="hu-HU" sz="2000" b="1" dirty="0" err="1">
+                <a:solidFill>
+                  <a:srgbClr val="D2986C"/>
+                </a:solidFill>
+              </a:rPr>
+              <a:t>Árlista</a:t>
+            </a:r>
+            <a:endParaRPr lang="hu-HU" sz="2000" b="1" dirty="0">
+              <a:solidFill>
+                <a:srgbClr val="D2986C"/>
+              </a:solidFill>
+            </a:endParaRPr>
+          </a:p>
+          <a:p>
+            <a:pPr marL="285750" indent="-285750">
+              <a:buClr>
+                <a:srgbClr val="D2986C"/>
+              </a:buClr>
+              <a:buFont typeface="Arial" panose="020B0604020202020204" pitchFamily="34" charset="0"/>
+              <a:buChar char="•"/>
+            </a:pPr>
+            <a:r>
+              <a:rPr lang="hu-HU" sz="2000" b="1" dirty="0">
+                <a:solidFill>
+                  <a:srgbClr val="D2986C"/>
+                </a:solidFill>
+              </a:rPr>
+              <a:t>Termékek</a:t>
+            </a:r>
+          </a:p>
+          <a:p>
+            <a:pPr marL="285750" indent="-285750">
+              <a:buClr>
+                <a:srgbClr val="D2986C"/>
+              </a:buClr>
+              <a:buFont typeface="Arial" panose="020B0604020202020204" pitchFamily="34" charset="0"/>
+              <a:buChar char="•"/>
+            </a:pPr>
+            <a:r>
+              <a:rPr lang="hu-HU" sz="2000" b="1" dirty="0">
+                <a:solidFill>
+                  <a:srgbClr val="D2986C"/>
+                </a:solidFill>
+              </a:rPr>
+              <a:t>Rólunk</a:t>
+            </a:r>
+            <a:endParaRPr lang="hu-HU" sz="2000" dirty="0">
+              <a:solidFill>
+                <a:srgbClr val="D2986C"/>
+              </a:solidFill>
+            </a:endParaRPr>
           </a:p>
         </p:txBody>
       </p:sp>
